--- a/אורה טולדנו.pptx
+++ b/אורה טולדנו.pptx
@@ -5,7 +5,7 @@
     <p:sldMasterId id="2147483648" r:id="rId1"/>
   </p:sldMasterIdLst>
   <p:notesMasterIdLst>
-    <p:notesMasterId r:id="rId28"/>
+    <p:notesMasterId r:id="rId37"/>
   </p:notesMasterIdLst>
   <p:sldIdLst>
     <p:sldId id="256" r:id="rId2"/>
@@ -21,19 +21,28 @@
     <p:sldId id="268" r:id="rId12"/>
     <p:sldId id="269" r:id="rId13"/>
     <p:sldId id="273" r:id="rId14"/>
-    <p:sldId id="286" r:id="rId15"/>
-    <p:sldId id="280" r:id="rId16"/>
-    <p:sldId id="291" r:id="rId17"/>
-    <p:sldId id="279" r:id="rId18"/>
-    <p:sldId id="277" r:id="rId19"/>
-    <p:sldId id="288" r:id="rId20"/>
-    <p:sldId id="282" r:id="rId21"/>
-    <p:sldId id="289" r:id="rId22"/>
-    <p:sldId id="293" r:id="rId23"/>
-    <p:sldId id="271" r:id="rId24"/>
-    <p:sldId id="272" r:id="rId25"/>
-    <p:sldId id="265" r:id="rId26"/>
-    <p:sldId id="266" r:id="rId27"/>
+    <p:sldId id="297" r:id="rId15"/>
+    <p:sldId id="296" r:id="rId16"/>
+    <p:sldId id="286" r:id="rId17"/>
+    <p:sldId id="294" r:id="rId18"/>
+    <p:sldId id="295" r:id="rId19"/>
+    <p:sldId id="302" r:id="rId20"/>
+    <p:sldId id="280" r:id="rId21"/>
+    <p:sldId id="293" r:id="rId22"/>
+    <p:sldId id="301" r:id="rId23"/>
+    <p:sldId id="300" r:id="rId24"/>
+    <p:sldId id="298" r:id="rId25"/>
+    <p:sldId id="299" r:id="rId26"/>
+    <p:sldId id="291" r:id="rId27"/>
+    <p:sldId id="279" r:id="rId28"/>
+    <p:sldId id="277" r:id="rId29"/>
+    <p:sldId id="288" r:id="rId30"/>
+    <p:sldId id="282" r:id="rId31"/>
+    <p:sldId id="289" r:id="rId32"/>
+    <p:sldId id="271" r:id="rId33"/>
+    <p:sldId id="272" r:id="rId34"/>
+    <p:sldId id="265" r:id="rId35"/>
+    <p:sldId id="266" r:id="rId36"/>
   </p:sldIdLst>
   <p:sldSz cx="12192000" cy="6858000"/>
   <p:notesSz cx="6858000" cy="9144000"/>
@@ -234,7 +243,7 @@
           <a:p>
             <a:fld id="{1BE7C5A4-E9E3-4ED2-8835-6D1E28710864}" type="datetimeFigureOut">
               <a:rPr lang="he-IL" smtClean="0"/>
-              <a:t>ב'/אב/תשפ"ד</a:t>
+              <a:t>ג'/אב/תשפ"ד</a:t>
             </a:fld>
             <a:endParaRPr lang="he-IL"/>
           </a:p>
@@ -648,7 +657,7 @@
           <a:p>
             <a:fld id="{7110408D-4D6A-4233-B901-A42DB29C59AC}" type="datetimeFigureOut">
               <a:rPr lang="he-IL" smtClean="0"/>
-              <a:t>ב'/אב/תשפ"ד</a:t>
+              <a:t>ג'/אב/תשפ"ד</a:t>
             </a:fld>
             <a:endParaRPr lang="he-IL"/>
           </a:p>
@@ -846,7 +855,7 @@
           <a:p>
             <a:fld id="{7110408D-4D6A-4233-B901-A42DB29C59AC}" type="datetimeFigureOut">
               <a:rPr lang="he-IL" smtClean="0"/>
-              <a:t>ב'/אב/תשפ"ד</a:t>
+              <a:t>ג'/אב/תשפ"ד</a:t>
             </a:fld>
             <a:endParaRPr lang="he-IL"/>
           </a:p>
@@ -1054,7 +1063,7 @@
           <a:p>
             <a:fld id="{7110408D-4D6A-4233-B901-A42DB29C59AC}" type="datetimeFigureOut">
               <a:rPr lang="he-IL" smtClean="0"/>
-              <a:t>ב'/אב/תשפ"ד</a:t>
+              <a:t>ג'/אב/תשפ"ד</a:t>
             </a:fld>
             <a:endParaRPr lang="he-IL"/>
           </a:p>
@@ -1252,7 +1261,7 @@
           <a:p>
             <a:fld id="{7110408D-4D6A-4233-B901-A42DB29C59AC}" type="datetimeFigureOut">
               <a:rPr lang="he-IL" smtClean="0"/>
-              <a:t>ב'/אב/תשפ"ד</a:t>
+              <a:t>ג'/אב/תשפ"ד</a:t>
             </a:fld>
             <a:endParaRPr lang="he-IL"/>
           </a:p>
@@ -1527,7 +1536,7 @@
           <a:p>
             <a:fld id="{7110408D-4D6A-4233-B901-A42DB29C59AC}" type="datetimeFigureOut">
               <a:rPr lang="he-IL" smtClean="0"/>
-              <a:t>ב'/אב/תשפ"ד</a:t>
+              <a:t>ג'/אב/תשפ"ד</a:t>
             </a:fld>
             <a:endParaRPr lang="he-IL"/>
           </a:p>
@@ -1792,7 +1801,7 @@
           <a:p>
             <a:fld id="{7110408D-4D6A-4233-B901-A42DB29C59AC}" type="datetimeFigureOut">
               <a:rPr lang="he-IL" smtClean="0"/>
-              <a:t>ב'/אב/תשפ"ד</a:t>
+              <a:t>ג'/אב/תשפ"ד</a:t>
             </a:fld>
             <a:endParaRPr lang="he-IL"/>
           </a:p>
@@ -2204,7 +2213,7 @@
           <a:p>
             <a:fld id="{7110408D-4D6A-4233-B901-A42DB29C59AC}" type="datetimeFigureOut">
               <a:rPr lang="he-IL" smtClean="0"/>
-              <a:t>ב'/אב/תשפ"ד</a:t>
+              <a:t>ג'/אב/תשפ"ד</a:t>
             </a:fld>
             <a:endParaRPr lang="he-IL"/>
           </a:p>
@@ -2345,7 +2354,7 @@
           <a:p>
             <a:fld id="{7110408D-4D6A-4233-B901-A42DB29C59AC}" type="datetimeFigureOut">
               <a:rPr lang="he-IL" smtClean="0"/>
-              <a:t>ב'/אב/תשפ"ד</a:t>
+              <a:t>ג'/אב/תשפ"ד</a:t>
             </a:fld>
             <a:endParaRPr lang="he-IL"/>
           </a:p>
@@ -2458,7 +2467,7 @@
           <a:p>
             <a:fld id="{7110408D-4D6A-4233-B901-A42DB29C59AC}" type="datetimeFigureOut">
               <a:rPr lang="he-IL" smtClean="0"/>
-              <a:t>ב'/אב/תשפ"ד</a:t>
+              <a:t>ג'/אב/תשפ"ד</a:t>
             </a:fld>
             <a:endParaRPr lang="he-IL"/>
           </a:p>
@@ -2769,7 +2778,7 @@
           <a:p>
             <a:fld id="{7110408D-4D6A-4233-B901-A42DB29C59AC}" type="datetimeFigureOut">
               <a:rPr lang="he-IL" smtClean="0"/>
-              <a:t>ב'/אב/תשפ"ד</a:t>
+              <a:t>ג'/אב/תשפ"ד</a:t>
             </a:fld>
             <a:endParaRPr lang="he-IL"/>
           </a:p>
@@ -3057,7 +3066,7 @@
           <a:p>
             <a:fld id="{7110408D-4D6A-4233-B901-A42DB29C59AC}" type="datetimeFigureOut">
               <a:rPr lang="he-IL" smtClean="0"/>
-              <a:t>ב'/אב/תשפ"ד</a:t>
+              <a:t>ג'/אב/תשפ"ד</a:t>
             </a:fld>
             <a:endParaRPr lang="he-IL"/>
           </a:p>
@@ -3298,7 +3307,7 @@
           <a:p>
             <a:fld id="{7110408D-4D6A-4233-B901-A42DB29C59AC}" type="datetimeFigureOut">
               <a:rPr lang="he-IL" smtClean="0"/>
-              <a:t>ב'/אב/תשפ"ד</a:t>
+              <a:t>ג'/אב/תשפ"ד</a:t>
             </a:fld>
             <a:endParaRPr lang="he-IL"/>
           </a:p>
@@ -4978,14 +4987,14 @@
             <p:ph idx="1"/>
             <p:extLst>
               <p:ext uri="{D42A27DB-BD31-4B8C-83A1-F6EECF244321}">
-                <p14:modId xmlns:p14="http://schemas.microsoft.com/office/powerpoint/2010/main" val="2072177446"/>
+                <p14:modId xmlns:p14="http://schemas.microsoft.com/office/powerpoint/2010/main" val="2278122728"/>
               </p:ext>
             </p:extLst>
           </p:nvPr>
         </p:nvGraphicFramePr>
         <p:xfrm>
-          <a:off x="407076" y="1709928"/>
-          <a:ext cx="11278418" cy="5048658"/>
+          <a:off x="201296" y="1267380"/>
+          <a:ext cx="11788588" cy="5739384"/>
         </p:xfrm>
         <a:graphic>
           <a:graphicData uri="http://schemas.openxmlformats.org/drawingml/2006/table">
@@ -4994,35 +5003,35 @@
                 <a:tableStyleId>{1FECB4D8-DB02-4DC6-A0A2-4F2EBAE1DC90}</a:tableStyleId>
               </a:tblPr>
               <a:tblGrid>
-                <a:gridCol w="394017">
+                <a:gridCol w="322729">
                   <a:extLst>
                     <a:ext uri="{9D8B030D-6E8A-4147-A177-3AD203B41FA5}">
                       <a16:colId xmlns:a16="http://schemas.microsoft.com/office/drawing/2014/main" val="2055060790"/>
                     </a:ext>
                   </a:extLst>
                 </a:gridCol>
-                <a:gridCol w="3782071">
+                <a:gridCol w="2553928">
                   <a:extLst>
                     <a:ext uri="{9D8B030D-6E8A-4147-A177-3AD203B41FA5}">
                       <a16:colId xmlns:a16="http://schemas.microsoft.com/office/drawing/2014/main" val="2293940662"/>
                     </a:ext>
                   </a:extLst>
                 </a:gridCol>
-                <a:gridCol w="1457820">
+                <a:gridCol w="1714750">
                   <a:extLst>
                     <a:ext uri="{9D8B030D-6E8A-4147-A177-3AD203B41FA5}">
                       <a16:colId xmlns:a16="http://schemas.microsoft.com/office/drawing/2014/main" val="4252471547"/>
                     </a:ext>
                   </a:extLst>
                 </a:gridCol>
-                <a:gridCol w="942129">
+                <a:gridCol w="1143166">
                   <a:extLst>
                     <a:ext uri="{9D8B030D-6E8A-4147-A177-3AD203B41FA5}">
                       <a16:colId xmlns:a16="http://schemas.microsoft.com/office/drawing/2014/main" val="571557810"/>
                     </a:ext>
                   </a:extLst>
                 </a:gridCol>
-                <a:gridCol w="4702381">
+                <a:gridCol w="6054015">
                   <a:extLst>
                     <a:ext uri="{9D8B030D-6E8A-4147-A177-3AD203B41FA5}">
                       <a16:colId xmlns:a16="http://schemas.microsoft.com/office/drawing/2014/main" val="2534055599"/>
@@ -5030,7 +5039,7 @@
                   </a:extLst>
                 </a:gridCol>
               </a:tblGrid>
-              <a:tr h="361888">
+              <a:tr h="380313">
                 <a:tc>
                   <a:txBody>
                     <a:bodyPr/>
@@ -5176,7 +5185,7 @@
                   </a:ext>
                 </a:extLst>
               </a:tr>
-              <a:tr h="4237890">
+              <a:tr h="5004118">
                 <a:tc>
                   <a:txBody>
                     <a:bodyPr/>
@@ -5239,6 +5248,190 @@
                   <a:txBody>
                     <a:bodyPr/>
                     <a:lstStyle/>
+                    <a:p>
+                      <a:r>
+                        <a:rPr lang="he-IL" sz="1600" dirty="0"/>
+                        <a:t>במשימה זו פיתחתי מודל ב-</a:t>
+                      </a:r>
+                      <a:r>
+                        <a:rPr lang="en-US" sz="1600" dirty="0"/>
+                        <a:t>Angular </a:t>
+                      </a:r>
+                      <a:r>
+                        <a:rPr lang="he-IL" sz="1600" dirty="0"/>
+                        <a:t> שמציג פרטי סטודנט בצורה מסודרת בחלון מודל. המודל כולל פרטים כגון שם, מייל, פלאפון, סטטוס ותעודת זהות של הסטודנט. כמו כן, ניתן לנווט להיסטוריית נוכחות של הסטודנט דרך קישור בתוך המודל.</a:t>
+                      </a:r>
+                    </a:p>
+                    <a:p>
+                      <a:r>
+                        <a:rPr lang="he-IL" sz="1600" b="1" dirty="0"/>
+                        <a:t>עיקרי המשימה:</a:t>
+                      </a:r>
+                      <a:endParaRPr lang="he-IL" sz="1600" dirty="0"/>
+                    </a:p>
+                    <a:p>
+                      <a:r>
+                        <a:rPr lang="he-IL" sz="1600" b="1" dirty="0"/>
+                        <a:t>רכיב </a:t>
+                      </a:r>
+                      <a:r>
+                        <a:rPr lang="en-US" sz="1600" b="1" dirty="0"/>
+                        <a:t>:Angular</a:t>
+                      </a:r>
+                      <a:endParaRPr lang="en-US" sz="1600" dirty="0"/>
+                    </a:p>
+                    <a:p>
+                      <a:pPr lvl="1"/>
+                      <a:r>
+                        <a:rPr lang="he-IL" sz="1600" dirty="0"/>
+                        <a:t>רכיב </a:t>
+                      </a:r>
+                      <a:r>
+                        <a:rPr lang="en-US" sz="1600" dirty="0" err="1"/>
+                        <a:t>DetailsComponent</a:t>
+                      </a:r>
+                      <a:r>
+                        <a:rPr lang="en-US" sz="1600" dirty="0"/>
+                        <a:t> </a:t>
+                      </a:r>
+                      <a:r>
+                        <a:rPr lang="he-IL" sz="1600" dirty="0"/>
+                        <a:t> המציג את פרטי הסטודנט במודל.</a:t>
+                      </a:r>
+                    </a:p>
+                    <a:p>
+                      <a:pPr lvl="1"/>
+                      <a:r>
+                        <a:rPr lang="he-IL" sz="1600" dirty="0"/>
+                        <a:t>קבלת פרטי הסטודנט מהשירות </a:t>
+                      </a:r>
+                      <a:r>
+                        <a:rPr lang="en-US" sz="1600" dirty="0" err="1"/>
+                        <a:t>StudentService</a:t>
+                      </a:r>
+                      <a:r>
+                        <a:rPr lang="en-US" sz="1600" dirty="0"/>
+                        <a:t> </a:t>
+                      </a:r>
+                      <a:r>
+                        <a:rPr lang="he-IL" sz="1600" dirty="0"/>
+                        <a:t> באמצעות המתודה </a:t>
+                      </a:r>
+                      <a:r>
+                        <a:rPr lang="en-US" sz="1600" dirty="0"/>
+                        <a:t>.</a:t>
+                      </a:r>
+                      <a:r>
+                        <a:rPr lang="en-US" sz="1600" dirty="0" err="1"/>
+                        <a:t>getStudentDetails</a:t>
+                      </a:r>
+                      <a:endParaRPr lang="en-US" sz="1600" dirty="0"/>
+                    </a:p>
+                    <a:p>
+                      <a:r>
+                        <a:rPr lang="en-US" sz="1600" b="1" dirty="0"/>
+                        <a:t>HTML</a:t>
+                      </a:r>
+                      <a:r>
+                        <a:rPr lang="he-IL" sz="1600" dirty="0"/>
+                        <a:t>: </a:t>
+                      </a:r>
+                    </a:p>
+                    <a:p>
+                      <a:r>
+                        <a:rPr lang="he-IL" sz="1600" dirty="0"/>
+                        <a:t>שימוש ב-</a:t>
+                      </a:r>
+                      <a:r>
+                        <a:rPr lang="en-US" sz="1600" dirty="0" err="1"/>
+                        <a:t>ngIf</a:t>
+                      </a:r>
+                      <a:r>
+                        <a:rPr lang="en-US" sz="1600" dirty="0"/>
+                        <a:t> </a:t>
+                      </a:r>
+                      <a:r>
+                        <a:rPr lang="he-IL" sz="1600" dirty="0"/>
+                        <a:t>כדי לוודא שהפרטים יוצגו רק כאשר קיימים פרטי סטודנט.</a:t>
+                      </a:r>
+                    </a:p>
+                    <a:p>
+                      <a:pPr lvl="1"/>
+                      <a:r>
+                        <a:rPr lang="he-IL" sz="1600" dirty="0"/>
+                        <a:t>הצגת פרטי הסטודנט בשדות הרלוונטיים, כולל קישורים למייל והיסטוריית נוכחות.</a:t>
+                      </a:r>
+                    </a:p>
+                    <a:p>
+                      <a:r>
+                        <a:rPr lang="en-US" sz="1600" b="1" dirty="0"/>
+                        <a:t>Bootstrap</a:t>
+                      </a:r>
+                      <a:r>
+                        <a:rPr lang="he-IL" sz="1600" b="1" dirty="0"/>
+                        <a:t>:</a:t>
+                      </a:r>
+                      <a:endParaRPr lang="en-US" sz="1600" dirty="0"/>
+                    </a:p>
+                    <a:p>
+                      <a:pPr lvl="1"/>
+                      <a:r>
+                        <a:rPr lang="he-IL" sz="1600" dirty="0"/>
+                        <a:t>שימוש ב-</a:t>
+                      </a:r>
+                      <a:r>
+                        <a:rPr lang="en-US" sz="1600" dirty="0"/>
+                        <a:t>Bootstrap </a:t>
+                      </a:r>
+                      <a:r>
+                        <a:rPr lang="he-IL" sz="1600" dirty="0"/>
+                        <a:t>להפקת חלון המודל ולעיצובו.</a:t>
+                      </a:r>
+                    </a:p>
+                    <a:p>
+                      <a:r>
+                        <a:rPr lang="he-IL" sz="1600" b="1" dirty="0"/>
+                        <a:t>תכנות</a:t>
+                      </a:r>
+                      <a:r>
+                        <a:rPr lang="he-IL" sz="1600" dirty="0"/>
+                        <a:t>:</a:t>
+                      </a:r>
+                    </a:p>
+                    <a:p>
+                      <a:pPr lvl="1"/>
+                      <a:r>
+                        <a:rPr lang="he-IL" sz="1600" dirty="0"/>
+                        <a:t>הגדרת תלויות ורכיבים</a:t>
+                      </a:r>
+                      <a:r>
+                        <a:rPr lang="en-US" sz="1600" dirty="0"/>
+                        <a:t>Input, Output, </a:t>
+                      </a:r>
+                      <a:r>
+                        <a:rPr lang="en-US" sz="1600" dirty="0" err="1"/>
+                        <a:t>ViewChild</a:t>
+                      </a:r>
+                      <a:r>
+                        <a:rPr lang="en-US" sz="1600" dirty="0"/>
+                        <a:t> ) </a:t>
+                      </a:r>
+                      <a:r>
+                        <a:rPr lang="he-IL" sz="1600" dirty="0"/>
+                        <a:t> )לניהול התצוגה והאינטראקציה עם המודל.</a:t>
+                      </a:r>
+                    </a:p>
+                    <a:p>
+                      <a:pPr lvl="1"/>
+                      <a:r>
+                        <a:rPr lang="he-IL" sz="1600" dirty="0"/>
+                        <a:t>ניהול הפתיחה והסגירה של המודל באמצעות </a:t>
+                      </a:r>
+                      <a:r>
+                        <a:rPr lang="en-US" sz="1600" dirty="0"/>
+                        <a:t>Bootstrap Modal.</a:t>
+                      </a:r>
+                    </a:p>
                     <a:p>
                       <a:pPr marL="0" marR="0" lvl="0" indent="0" algn="r" defTabSz="914400" rtl="1" eaLnBrk="1" fontAlgn="auto" latinLnBrk="0" hangingPunct="1">
                         <a:lnSpc>
@@ -5257,10 +5450,7 @@
                         <a:tabLst/>
                         <a:defRPr/>
                       </a:pPr>
-                      <a:r>
-                        <a:rPr lang="he-IL" sz="2000" dirty="0"/>
-                        <a:t>   עדיין לא עשיתי </a:t>
-                      </a:r>
+                      <a:endParaRPr lang="he-IL" sz="2000" dirty="0"/>
                     </a:p>
                     <a:p>
                       <a:pPr marL="0" marR="0" lvl="0" indent="0" algn="r" defTabSz="914400" rtl="1" eaLnBrk="1" fontAlgn="auto" latinLnBrk="0" hangingPunct="1">
@@ -5283,89 +5473,11 @@
                       <a:endParaRPr lang="he-IL" sz="2000" dirty="0"/>
                     </a:p>
                   </a:txBody>
-                  <a:tcPr marT="50292" marB="50292"/>
+                  <a:tcPr/>
                 </a:tc>
                 <a:extLst>
                   <a:ext uri="{0D108BD9-81ED-4DB2-BD59-A6C34878D82A}">
                     <a16:rowId xmlns:a16="http://schemas.microsoft.com/office/drawing/2014/main" val="3737988478"/>
-                  </a:ext>
-                </a:extLst>
-              </a:tr>
-              <a:tr h="347282">
-                <a:tc>
-                  <a:txBody>
-                    <a:bodyPr/>
-                    <a:lstStyle/>
-                    <a:p>
-                      <a:pPr rtl="1"/>
-                      <a:endParaRPr lang="he-IL" sz="2000" dirty="0"/>
-                    </a:p>
-                  </a:txBody>
-                  <a:tcPr marT="50292" marB="50292"/>
-                </a:tc>
-                <a:tc>
-                  <a:txBody>
-                    <a:bodyPr/>
-                    <a:lstStyle/>
-                    <a:p>
-                      <a:pPr rtl="1"/>
-                      <a:endParaRPr lang="he-IL" sz="1600" dirty="0"/>
-                    </a:p>
-                  </a:txBody>
-                  <a:tcPr marT="50292" marB="50292"/>
-                </a:tc>
-                <a:tc>
-                  <a:txBody>
-                    <a:bodyPr/>
-                    <a:lstStyle/>
-                    <a:p>
-                      <a:pPr rtl="1"/>
-                      <a:endParaRPr lang="he-IL" sz="2000" dirty="0"/>
-                    </a:p>
-                  </a:txBody>
-                  <a:tcPr marT="50292" marB="50292"/>
-                </a:tc>
-                <a:tc>
-                  <a:txBody>
-                    <a:bodyPr/>
-                    <a:lstStyle/>
-                    <a:p>
-                      <a:pPr rtl="1"/>
-                      <a:endParaRPr lang="he-IL" sz="2000" dirty="0"/>
-                    </a:p>
-                  </a:txBody>
-                  <a:tcPr marT="50292" marB="50292"/>
-                </a:tc>
-                <a:tc>
-                  <a:txBody>
-                    <a:bodyPr/>
-                    <a:lstStyle/>
-                    <a:p>
-                      <a:pPr marL="0" marR="0" lvl="0" indent="0" algn="r" defTabSz="914400" rtl="1" eaLnBrk="1" fontAlgn="auto" latinLnBrk="0" hangingPunct="1">
-                        <a:lnSpc>
-                          <a:spcPct val="100000"/>
-                        </a:lnSpc>
-                        <a:spcBef>
-                          <a:spcPts val="0"/>
-                        </a:spcBef>
-                        <a:spcAft>
-                          <a:spcPts val="0"/>
-                        </a:spcAft>
-                        <a:buClrTx/>
-                        <a:buSzTx/>
-                        <a:buFontTx/>
-                        <a:buNone/>
-                        <a:tabLst/>
-                        <a:defRPr/>
-                      </a:pPr>
-                      <a:endParaRPr lang="he-IL" sz="2000" dirty="0"/>
-                    </a:p>
-                  </a:txBody>
-                  <a:tcPr marT="50292" marB="50292"/>
-                </a:tc>
-                <a:extLst>
-                  <a:ext uri="{0D108BD9-81ED-4DB2-BD59-A6C34878D82A}">
-                    <a16:rowId xmlns:a16="http://schemas.microsoft.com/office/drawing/2014/main" val="616851175"/>
                   </a:ext>
                 </a:extLst>
               </a:tr>
@@ -5424,8 +5536,8 @@
         </p:nvSpPr>
         <p:spPr>
           <a:xfrm>
-            <a:off x="1219200" y="-31318"/>
-            <a:ext cx="10515600" cy="1325563"/>
+            <a:off x="1219200" y="-31317"/>
+            <a:ext cx="10515600" cy="811248"/>
           </a:xfrm>
         </p:spPr>
         <p:txBody>
@@ -5465,7 +5577,7 @@
         </p:nvSpPr>
         <p:spPr>
           <a:xfrm>
-            <a:off x="879410" y="943944"/>
+            <a:off x="879001" y="648850"/>
             <a:ext cx="10433179" cy="923330"/>
           </a:xfrm>
           <a:prstGeom prst="rect">
@@ -5536,6 +5648,342 @@
           <a:chExt cx="0" cy="0"/>
         </a:xfrm>
       </p:grpSpPr>
+      <p:pic>
+        <p:nvPicPr>
+          <p:cNvPr id="5" name="Google Shape;69;p1" descr="תמונה שמכילה טקסט, גופן, גרפיקה, לוגו&#10;&#10;התיאור נוצר באופן אוטומטי">
+            <a:extLst>
+              <a:ext uri="{FF2B5EF4-FFF2-40B4-BE49-F238E27FC236}">
+                <a16:creationId xmlns:a16="http://schemas.microsoft.com/office/drawing/2014/main" id="{951B4679-100A-4E54-AAAA-DC3FBF79E45B}"/>
+              </a:ext>
+            </a:extLst>
+          </p:cNvPr>
+          <p:cNvPicPr preferRelativeResize="0"/>
+          <p:nvPr/>
+        </p:nvPicPr>
+        <p:blipFill rotWithShape="1">
+          <a:blip r:embed="rId2">
+            <a:alphaModFix/>
+          </a:blip>
+          <a:srcRect/>
+          <a:stretch/>
+        </p:blipFill>
+        <p:spPr>
+          <a:xfrm>
+            <a:off x="9505029" y="5468273"/>
+            <a:ext cx="2550511" cy="1225663"/>
+          </a:xfrm>
+          <a:prstGeom prst="rect">
+            <a:avLst/>
+          </a:prstGeom>
+          <a:noFill/>
+          <a:ln>
+            <a:noFill/>
+          </a:ln>
+        </p:spPr>
+      </p:pic>
+      <p:sp>
+        <p:nvSpPr>
+          <p:cNvPr id="6" name="כותרת 1">
+            <a:extLst>
+              <a:ext uri="{FF2B5EF4-FFF2-40B4-BE49-F238E27FC236}">
+                <a16:creationId xmlns:a16="http://schemas.microsoft.com/office/drawing/2014/main" id="{E7C0EC09-566C-8E7B-8EB2-672D6EF61BC5}"/>
+              </a:ext>
+            </a:extLst>
+          </p:cNvPr>
+          <p:cNvSpPr>
+            <a:spLocks noGrp="1"/>
+          </p:cNvSpPr>
+          <p:nvPr>
+            <p:ph type="title"/>
+          </p:nvPr>
+        </p:nvSpPr>
+        <p:spPr>
+          <a:xfrm>
+            <a:off x="1017494" y="-101039"/>
+            <a:ext cx="9874623" cy="952687"/>
+          </a:xfrm>
+        </p:spPr>
+        <p:txBody>
+          <a:bodyPr>
+            <a:normAutofit/>
+          </a:bodyPr>
+          <a:lstStyle/>
+          <a:p>
+            <a:pPr algn="ctr"/>
+            <a:r>
+              <a:rPr lang="he-IL" dirty="0">
+                <a:solidFill>
+                  <a:schemeClr val="tx2">
+                    <a:lumMod val="60000"/>
+                    <a:lumOff val="40000"/>
+                  </a:schemeClr>
+                </a:solidFill>
+                <a:cs typeface="+mn-cs"/>
+              </a:rPr>
+              <a:t>צילומי מסך של המשימה</a:t>
+            </a:r>
+            <a:endParaRPr lang="he-IL" dirty="0"/>
+          </a:p>
+        </p:txBody>
+      </p:sp>
+      <p:pic>
+        <p:nvPicPr>
+          <p:cNvPr id="3" name="תמונה 2">
+            <a:extLst>
+              <a:ext uri="{FF2B5EF4-FFF2-40B4-BE49-F238E27FC236}">
+                <a16:creationId xmlns:a16="http://schemas.microsoft.com/office/drawing/2014/main" id="{1D5C72B5-2022-AF16-212E-DD4C0E6969C7}"/>
+              </a:ext>
+            </a:extLst>
+          </p:cNvPr>
+          <p:cNvPicPr>
+            <a:picLocks noChangeAspect="1"/>
+          </p:cNvPicPr>
+          <p:nvPr/>
+        </p:nvPicPr>
+        <p:blipFill>
+          <a:blip r:embed="rId3"/>
+          <a:stretch>
+            <a:fillRect/>
+          </a:stretch>
+        </p:blipFill>
+        <p:spPr>
+          <a:xfrm>
+            <a:off x="6353455" y="763364"/>
+            <a:ext cx="5605463" cy="4793194"/>
+          </a:xfrm>
+          <a:prstGeom prst="rect">
+            <a:avLst/>
+          </a:prstGeom>
+        </p:spPr>
+      </p:pic>
+      <p:pic>
+        <p:nvPicPr>
+          <p:cNvPr id="9" name="תמונה 8">
+            <a:extLst>
+              <a:ext uri="{FF2B5EF4-FFF2-40B4-BE49-F238E27FC236}">
+                <a16:creationId xmlns:a16="http://schemas.microsoft.com/office/drawing/2014/main" id="{95B59E7A-6F8C-0BCA-360D-283F588BAC51}"/>
+              </a:ext>
+            </a:extLst>
+          </p:cNvPr>
+          <p:cNvPicPr>
+            <a:picLocks noChangeAspect="1"/>
+          </p:cNvPicPr>
+          <p:nvPr/>
+        </p:nvPicPr>
+        <p:blipFill>
+          <a:blip r:embed="rId4"/>
+          <a:stretch>
+            <a:fillRect/>
+          </a:stretch>
+        </p:blipFill>
+        <p:spPr>
+          <a:xfrm>
+            <a:off x="490537" y="999228"/>
+            <a:ext cx="5605463" cy="5081876"/>
+          </a:xfrm>
+          <a:prstGeom prst="rect">
+            <a:avLst/>
+          </a:prstGeom>
+        </p:spPr>
+      </p:pic>
+    </p:spTree>
+    <p:extLst>
+      <p:ext uri="{BB962C8B-B14F-4D97-AF65-F5344CB8AC3E}">
+        <p14:creationId xmlns:p14="http://schemas.microsoft.com/office/powerpoint/2010/main" val="3612164123"/>
+      </p:ext>
+    </p:extLst>
+  </p:cSld>
+  <p:clrMapOvr>
+    <a:masterClrMapping/>
+  </p:clrMapOvr>
+</p:sld>
+</file>
+
+<file path=ppt/slides/slide15.xml><?xml version="1.0" encoding="utf-8"?>
+<p:sld xmlns:a="http://schemas.openxmlformats.org/drawingml/2006/main" xmlns:r="http://schemas.openxmlformats.org/officeDocument/2006/relationships" xmlns:p="http://schemas.openxmlformats.org/presentationml/2006/main">
+  <p:cSld>
+    <p:spTree>
+      <p:nvGrpSpPr>
+        <p:cNvPr id="1" name=""/>
+        <p:cNvGrpSpPr/>
+        <p:nvPr/>
+      </p:nvGrpSpPr>
+      <p:grpSpPr>
+        <a:xfrm>
+          <a:off x="0" y="0"/>
+          <a:ext cx="0" cy="0"/>
+          <a:chOff x="0" y="0"/>
+          <a:chExt cx="0" cy="0"/>
+        </a:xfrm>
+      </p:grpSpPr>
+      <p:pic>
+        <p:nvPicPr>
+          <p:cNvPr id="5" name="Google Shape;69;p1" descr="תמונה שמכילה טקסט, גופן, גרפיקה, לוגו&#10;&#10;התיאור נוצר באופן אוטומטי">
+            <a:extLst>
+              <a:ext uri="{FF2B5EF4-FFF2-40B4-BE49-F238E27FC236}">
+                <a16:creationId xmlns:a16="http://schemas.microsoft.com/office/drawing/2014/main" id="{951B4679-100A-4E54-AAAA-DC3FBF79E45B}"/>
+              </a:ext>
+            </a:extLst>
+          </p:cNvPr>
+          <p:cNvPicPr preferRelativeResize="0"/>
+          <p:nvPr/>
+        </p:nvPicPr>
+        <p:blipFill rotWithShape="1">
+          <a:blip r:embed="rId2">
+            <a:alphaModFix/>
+          </a:blip>
+          <a:srcRect/>
+          <a:stretch/>
+        </p:blipFill>
+        <p:spPr>
+          <a:xfrm>
+            <a:off x="9505029" y="5468273"/>
+            <a:ext cx="2550511" cy="1225663"/>
+          </a:xfrm>
+          <a:prstGeom prst="rect">
+            <a:avLst/>
+          </a:prstGeom>
+          <a:noFill/>
+          <a:ln>
+            <a:noFill/>
+          </a:ln>
+        </p:spPr>
+      </p:pic>
+      <p:sp>
+        <p:nvSpPr>
+          <p:cNvPr id="6" name="כותרת 1">
+            <a:extLst>
+              <a:ext uri="{FF2B5EF4-FFF2-40B4-BE49-F238E27FC236}">
+                <a16:creationId xmlns:a16="http://schemas.microsoft.com/office/drawing/2014/main" id="{E7C0EC09-566C-8E7B-8EB2-672D6EF61BC5}"/>
+              </a:ext>
+            </a:extLst>
+          </p:cNvPr>
+          <p:cNvSpPr>
+            <a:spLocks noGrp="1"/>
+          </p:cNvSpPr>
+          <p:nvPr>
+            <p:ph type="title"/>
+          </p:nvPr>
+        </p:nvSpPr>
+        <p:spPr>
+          <a:xfrm>
+            <a:off x="1017494" y="-101039"/>
+            <a:ext cx="9874623" cy="952687"/>
+          </a:xfrm>
+        </p:spPr>
+        <p:txBody>
+          <a:bodyPr>
+            <a:normAutofit/>
+          </a:bodyPr>
+          <a:lstStyle/>
+          <a:p>
+            <a:pPr algn="ctr"/>
+            <a:r>
+              <a:rPr lang="he-IL" dirty="0">
+                <a:solidFill>
+                  <a:schemeClr val="tx2">
+                    <a:lumMod val="60000"/>
+                    <a:lumOff val="40000"/>
+                  </a:schemeClr>
+                </a:solidFill>
+                <a:cs typeface="+mn-cs"/>
+              </a:rPr>
+              <a:t>צילומי מסך של המשימה</a:t>
+            </a:r>
+            <a:endParaRPr lang="he-IL" dirty="0"/>
+          </a:p>
+        </p:txBody>
+      </p:sp>
+      <p:pic>
+        <p:nvPicPr>
+          <p:cNvPr id="11" name="תמונה 10">
+            <a:extLst>
+              <a:ext uri="{FF2B5EF4-FFF2-40B4-BE49-F238E27FC236}">
+                <a16:creationId xmlns:a16="http://schemas.microsoft.com/office/drawing/2014/main" id="{275ED643-11FA-AA8F-7212-D60995EAAB40}"/>
+              </a:ext>
+            </a:extLst>
+          </p:cNvPr>
+          <p:cNvPicPr>
+            <a:picLocks noChangeAspect="1"/>
+          </p:cNvPicPr>
+          <p:nvPr/>
+        </p:nvPicPr>
+        <p:blipFill>
+          <a:blip r:embed="rId3"/>
+          <a:stretch>
+            <a:fillRect/>
+          </a:stretch>
+        </p:blipFill>
+        <p:spPr>
+          <a:xfrm>
+            <a:off x="136460" y="2994828"/>
+            <a:ext cx="7588903" cy="3852174"/>
+          </a:xfrm>
+          <a:prstGeom prst="rect">
+            <a:avLst/>
+          </a:prstGeom>
+        </p:spPr>
+      </p:pic>
+      <p:pic>
+        <p:nvPicPr>
+          <p:cNvPr id="7" name="תמונה 6">
+            <a:extLst>
+              <a:ext uri="{FF2B5EF4-FFF2-40B4-BE49-F238E27FC236}">
+                <a16:creationId xmlns:a16="http://schemas.microsoft.com/office/drawing/2014/main" id="{C37C5CED-32A1-3FDF-0582-C8A23D64E2A8}"/>
+              </a:ext>
+            </a:extLst>
+          </p:cNvPr>
+          <p:cNvPicPr>
+            <a:picLocks noChangeAspect="1"/>
+          </p:cNvPicPr>
+          <p:nvPr/>
+        </p:nvPicPr>
+        <p:blipFill>
+          <a:blip r:embed="rId4"/>
+          <a:stretch>
+            <a:fillRect/>
+          </a:stretch>
+        </p:blipFill>
+        <p:spPr>
+          <a:xfrm>
+            <a:off x="5934607" y="720311"/>
+            <a:ext cx="6257393" cy="3653246"/>
+          </a:xfrm>
+          <a:prstGeom prst="rect">
+            <a:avLst/>
+          </a:prstGeom>
+        </p:spPr>
+      </p:pic>
+    </p:spTree>
+    <p:extLst>
+      <p:ext uri="{BB962C8B-B14F-4D97-AF65-F5344CB8AC3E}">
+        <p14:creationId xmlns:p14="http://schemas.microsoft.com/office/powerpoint/2010/main" val="3873409526"/>
+      </p:ext>
+    </p:extLst>
+  </p:cSld>
+  <p:clrMapOvr>
+    <a:masterClrMapping/>
+  </p:clrMapOvr>
+</p:sld>
+</file>
+
+<file path=ppt/slides/slide16.xml><?xml version="1.0" encoding="utf-8"?>
+<p:sld xmlns:a="http://schemas.openxmlformats.org/drawingml/2006/main" xmlns:r="http://schemas.openxmlformats.org/officeDocument/2006/relationships" xmlns:p="http://schemas.openxmlformats.org/presentationml/2006/main">
+  <p:cSld>
+    <p:spTree>
+      <p:nvGrpSpPr>
+        <p:cNvPr id="1" name=""/>
+        <p:cNvGrpSpPr/>
+        <p:nvPr/>
+      </p:nvGrpSpPr>
+      <p:grpSpPr>
+        <a:xfrm>
+          <a:off x="0" y="0"/>
+          <a:ext cx="0" cy="0"/>
+          <a:chOff x="0" y="0"/>
+          <a:chExt cx="0" cy="0"/>
+        </a:xfrm>
+      </p:grpSpPr>
       <p:graphicFrame>
         <p:nvGraphicFramePr>
           <p:cNvPr id="8" name="מציין מיקום תוכן 3">
@@ -5552,14 +6000,14 @@
             <p:ph idx="1"/>
             <p:extLst>
               <p:ext uri="{D42A27DB-BD31-4B8C-83A1-F6EECF244321}">
-                <p14:modId xmlns:p14="http://schemas.microsoft.com/office/powerpoint/2010/main" val="4135536580"/>
+                <p14:modId xmlns:p14="http://schemas.microsoft.com/office/powerpoint/2010/main" val="2321272837"/>
               </p:ext>
             </p:extLst>
           </p:nvPr>
         </p:nvGraphicFramePr>
         <p:xfrm>
-          <a:off x="541547" y="1529790"/>
-          <a:ext cx="11278418" cy="5048658"/>
+          <a:off x="613264" y="176120"/>
+          <a:ext cx="11278418" cy="6236208"/>
         </p:xfrm>
         <a:graphic>
           <a:graphicData uri="http://schemas.openxmlformats.org/drawingml/2006/table">
@@ -5575,28 +6023,28 @@
                     </a:ext>
                   </a:extLst>
                 </a:gridCol>
-                <a:gridCol w="3782071">
+                <a:gridCol w="3133594">
                   <a:extLst>
                     <a:ext uri="{9D8B030D-6E8A-4147-A177-3AD203B41FA5}">
                       <a16:colId xmlns:a16="http://schemas.microsoft.com/office/drawing/2014/main" val="2293940662"/>
                     </a:ext>
                   </a:extLst>
                 </a:gridCol>
-                <a:gridCol w="1457820">
+                <a:gridCol w="1461247">
                   <a:extLst>
                     <a:ext uri="{9D8B030D-6E8A-4147-A177-3AD203B41FA5}">
                       <a16:colId xmlns:a16="http://schemas.microsoft.com/office/drawing/2014/main" val="4252471547"/>
                     </a:ext>
                   </a:extLst>
                 </a:gridCol>
-                <a:gridCol w="942129">
+                <a:gridCol w="995083">
                   <a:extLst>
                     <a:ext uri="{9D8B030D-6E8A-4147-A177-3AD203B41FA5}">
                       <a16:colId xmlns:a16="http://schemas.microsoft.com/office/drawing/2014/main" val="571557810"/>
                     </a:ext>
                   </a:extLst>
                 </a:gridCol>
-                <a:gridCol w="4702381">
+                <a:gridCol w="5294477">
                   <a:extLst>
                     <a:ext uri="{9D8B030D-6E8A-4147-A177-3AD203B41FA5}">
                       <a16:colId xmlns:a16="http://schemas.microsoft.com/office/drawing/2014/main" val="2534055599"/>
@@ -5750,7 +6198,7 @@
                   </a:ext>
                 </a:extLst>
               </a:tr>
-              <a:tr h="4237890">
+              <a:tr h="4585172">
                 <a:tc>
                   <a:txBody>
                     <a:bodyPr/>
@@ -5786,6 +6234,10 @@
                     <a:lstStyle/>
                     <a:p>
                       <a:pPr rtl="1"/>
+                      <a:r>
+                        <a:rPr lang="en-US" sz="2000" dirty="0"/>
+                        <a:t>Java spring boot</a:t>
+                      </a:r>
                       <a:endParaRPr lang="he-IL" sz="2000" dirty="0"/>
                     </a:p>
                   </a:txBody>
@@ -5799,7 +6251,7 @@
                       <a:pPr rtl="1"/>
                       <a:r>
                         <a:rPr lang="en-US" sz="2000" dirty="0"/>
-                        <a:t>--</a:t>
+                        <a:t>java</a:t>
                       </a:r>
                       <a:endParaRPr lang="he-IL" sz="2000" dirty="0"/>
                     </a:p>
@@ -5811,86 +6263,329 @@
                     <a:bodyPr/>
                     <a:lstStyle/>
                     <a:p>
-                      <a:pPr marL="0" marR="0" lvl="0" indent="0" algn="r" defTabSz="914400" rtl="1" eaLnBrk="1" fontAlgn="auto" latinLnBrk="0" hangingPunct="1">
-                        <a:lnSpc>
-                          <a:spcPct val="100000"/>
-                        </a:lnSpc>
-                        <a:spcBef>
-                          <a:spcPts val="0"/>
-                        </a:spcBef>
-                        <a:spcAft>
-                          <a:spcPts val="0"/>
-                        </a:spcAft>
-                        <a:buClrTx/>
-                        <a:buSzTx/>
-                        <a:buFontTx/>
-                        <a:buNone/>
-                        <a:tabLst/>
-                        <a:defRPr/>
-                      </a:pPr>
                       <a:r>
                         <a:rPr lang="he-IL" sz="2000" dirty="0"/>
-                        <a:t>  עדיין לא עשיתי</a:t>
+                        <a:t> </a:t>
+                      </a:r>
+                      <a:r>
+                        <a:rPr lang="he-IL" sz="1800" dirty="0"/>
+                        <a:t> </a:t>
+                      </a:r>
+                      <a:r>
+                        <a:rPr lang="he-IL" sz="1600" dirty="0"/>
+                        <a:t>במשימה זו פיתחתי שירות </a:t>
+                      </a:r>
+                      <a:r>
+                        <a:rPr lang="en-US" sz="1600" dirty="0"/>
+                        <a:t>REST</a:t>
+                      </a:r>
+                      <a:r>
+                        <a:rPr lang="he-IL" sz="1600" dirty="0"/>
+                        <a:t> באמצעות </a:t>
+                      </a:r>
+                      <a:r>
+                        <a:rPr lang="en-US" sz="1600" dirty="0"/>
+                        <a:t>Spring Boot </a:t>
+                      </a:r>
+                      <a:r>
+                        <a:rPr lang="he-IL" sz="1600" dirty="0"/>
+                        <a:t>לניהול מידע על סטודנטים. השירות כולל פעולות שליפה, הוספה, עדכון ומחיקה של פרטי סטודנט באמצעות </a:t>
+                      </a:r>
+                      <a:r>
+                        <a:rPr lang="en-US" sz="1600" dirty="0"/>
+                        <a:t> .</a:t>
+                      </a:r>
+                      <a:r>
+                        <a:rPr lang="en-US" sz="1600" dirty="0" err="1"/>
+                        <a:t>RestTemplate</a:t>
+                      </a:r>
+                      <a:r>
+                        <a:rPr lang="en-US" sz="1600" dirty="0"/>
+                        <a:t> </a:t>
+                      </a:r>
+                      <a:r>
+                        <a:rPr lang="he-IL" sz="1600" dirty="0"/>
+                        <a:t>השירות מאפשר עבודה מול בסיס נתונים חיצוני ומספק נקודות קצה לממשק לקוח.</a:t>
                       </a:r>
                     </a:p>
-                  </a:txBody>
-                  <a:tcPr marT="50292" marB="50292"/>
-                </a:tc>
-                <a:extLst>
-                  <a:ext uri="{0D108BD9-81ED-4DB2-BD59-A6C34878D82A}">
-                    <a16:rowId xmlns:a16="http://schemas.microsoft.com/office/drawing/2014/main" val="3737988478"/>
-                  </a:ext>
-                </a:extLst>
-              </a:tr>
-              <a:tr h="347282">
-                <a:tc>
-                  <a:txBody>
-                    <a:bodyPr/>
-                    <a:lstStyle/>
                     <a:p>
-                      <a:pPr rtl="1"/>
-                      <a:endParaRPr lang="he-IL" sz="2000" dirty="0"/>
-                    </a:p>
-                  </a:txBody>
-                  <a:tcPr marT="50292" marB="50292"/>
-                </a:tc>
-                <a:tc>
-                  <a:txBody>
-                    <a:bodyPr/>
-                    <a:lstStyle/>
-                    <a:p>
-                      <a:pPr rtl="1"/>
+                      <a:r>
+                        <a:rPr lang="he-IL" sz="1600" b="1" dirty="0"/>
+                        <a:t>עיקרי המשימה:</a:t>
+                      </a:r>
                       <a:endParaRPr lang="he-IL" sz="1600" dirty="0"/>
                     </a:p>
-                  </a:txBody>
-                  <a:tcPr marT="50292" marB="50292"/>
-                </a:tc>
-                <a:tc>
-                  <a:txBody>
-                    <a:bodyPr/>
-                    <a:lstStyle/>
                     <a:p>
-                      <a:pPr rtl="1"/>
-                      <a:endParaRPr lang="he-IL" sz="2000" dirty="0"/>
+                      <a:r>
+                        <a:rPr lang="he-IL" sz="1600" b="1" dirty="0"/>
+                        <a:t>שירות סטודנטים</a:t>
+                      </a:r>
+                      <a:r>
+                        <a:rPr lang="he-IL" sz="1600" dirty="0"/>
+                        <a:t>:</a:t>
+                      </a:r>
                     </a:p>
-                  </a:txBody>
-                  <a:tcPr marT="50292" marB="50292"/>
-                </a:tc>
-                <a:tc>
-                  <a:txBody>
-                    <a:bodyPr/>
-                    <a:lstStyle/>
                     <a:p>
-                      <a:pPr rtl="1"/>
-                      <a:endParaRPr lang="he-IL" sz="2000" dirty="0"/>
+                      <a:pPr lvl="1"/>
+                      <a:r>
+                        <a:rPr lang="he-IL" sz="1600" dirty="0"/>
+                        <a:t>פיתוח מחלקת </a:t>
+                      </a:r>
+                      <a:r>
+                        <a:rPr lang="en-US" sz="1600" dirty="0"/>
+                        <a:t>Service </a:t>
+                      </a:r>
+                      <a:r>
+                        <a:rPr lang="he-IL" sz="1600" dirty="0"/>
+                        <a:t> בשם </a:t>
+                      </a:r>
+                      <a:r>
+                        <a:rPr lang="en-US" sz="1600" dirty="0"/>
+                        <a:t> </a:t>
+                      </a:r>
+                      <a:r>
+                        <a:rPr lang="en-US" sz="1600" dirty="0" err="1"/>
+                        <a:t>StudentService</a:t>
+                      </a:r>
+                      <a:r>
+                        <a:rPr lang="en-US" sz="1600" dirty="0"/>
+                        <a:t> </a:t>
+                      </a:r>
+                      <a:r>
+                        <a:rPr lang="he-IL" sz="1600" dirty="0"/>
+                        <a:t>המתקשרת עם בסיס הנתונים החיצוני באמצעות </a:t>
+                      </a:r>
+                      <a:r>
+                        <a:rPr lang="en-US" sz="1600" dirty="0" err="1"/>
+                        <a:t>RestTemplate</a:t>
+                      </a:r>
+                      <a:r>
+                        <a:rPr lang="he-IL" sz="1600" dirty="0"/>
+                        <a:t>.</a:t>
+                      </a:r>
                     </a:p>
-                  </a:txBody>
-                  <a:tcPr marT="50292" marB="50292"/>
-                </a:tc>
-                <a:tc>
-                  <a:txBody>
-                    <a:bodyPr/>
-                    <a:lstStyle/>
+                    <a:p>
+                      <a:pPr lvl="1"/>
+                      <a:r>
+                        <a:rPr lang="he-IL" sz="1600" dirty="0"/>
+                        <a:t>הגדרת נתיבי ה-</a:t>
+                      </a:r>
+                      <a:r>
+                        <a:rPr lang="en-US" sz="1600" dirty="0"/>
+                        <a:t> URL </a:t>
+                      </a:r>
+                      <a:r>
+                        <a:rPr lang="he-IL" sz="1600" dirty="0"/>
+                        <a:t>ומסלולי ה-</a:t>
+                      </a:r>
+                      <a:r>
+                        <a:rPr lang="en-US" sz="1600" dirty="0"/>
+                        <a:t> API </a:t>
+                      </a:r>
+                      <a:r>
+                        <a:rPr lang="he-IL" sz="1600" dirty="0"/>
+                        <a:t>בקובץ הקונפיגורציה.</a:t>
+                      </a:r>
+                    </a:p>
+                    <a:p>
+                      <a:r>
+                        <a:rPr lang="he-IL" sz="1600" b="1" dirty="0" err="1"/>
+                        <a:t>אנוטציות</a:t>
+                      </a:r>
+                      <a:r>
+                        <a:rPr lang="he-IL" sz="1600" b="1" dirty="0"/>
+                        <a:t> ו-</a:t>
+                      </a:r>
+                      <a:r>
+                        <a:rPr lang="en-US" sz="1600" b="1" dirty="0"/>
+                        <a:t>MVC</a:t>
+                      </a:r>
+                      <a:r>
+                        <a:rPr lang="he-IL" sz="1600" b="1" dirty="0"/>
+                        <a:t>:</a:t>
+                      </a:r>
+                    </a:p>
+                    <a:p>
+                      <a:r>
+                        <a:rPr lang="he-IL" sz="1600" dirty="0"/>
+                        <a:t>שימוש </a:t>
+                      </a:r>
+                      <a:r>
+                        <a:rPr lang="he-IL" sz="1600" dirty="0" err="1"/>
+                        <a:t>באנוטציות</a:t>
+                      </a:r>
+                      <a:r>
+                        <a:rPr lang="he-IL" sz="1600" dirty="0"/>
+                        <a:t> @</a:t>
+                      </a:r>
+                      <a:r>
+                        <a:rPr lang="en-US" sz="1600" dirty="0"/>
+                        <a:t>Service, @Autowired </a:t>
+                      </a:r>
+                      <a:r>
+                        <a:rPr lang="he-IL" sz="1600" dirty="0"/>
+                        <a:t> ו-@</a:t>
+                      </a:r>
+                      <a:r>
+                        <a:rPr lang="en-US" sz="1600" dirty="0"/>
+                        <a:t> Value </a:t>
+                      </a:r>
+                      <a:r>
+                        <a:rPr lang="he-IL" sz="1600" dirty="0"/>
+                        <a:t>כדי להגדיר שירותים ולהזריק תלויות.</a:t>
+                      </a:r>
+                    </a:p>
+                    <a:p>
+                      <a:pPr lvl="1"/>
+                      <a:r>
+                        <a:rPr lang="he-IL" sz="1600" dirty="0"/>
+                        <a:t>שימוש ב-@</a:t>
+                      </a:r>
+                      <a:r>
+                        <a:rPr lang="en-US" sz="1600" dirty="0"/>
+                        <a:t> </a:t>
+                      </a:r>
+                      <a:r>
+                        <a:rPr lang="en-US" sz="1600" dirty="0" err="1"/>
+                        <a:t>RestController</a:t>
+                      </a:r>
+                      <a:r>
+                        <a:rPr lang="en-US" sz="1600" dirty="0"/>
+                        <a:t>, @RequestMapping </a:t>
+                      </a:r>
+                      <a:r>
+                        <a:rPr lang="he-IL" sz="1600" dirty="0"/>
+                        <a:t>ו-@</a:t>
+                      </a:r>
+                      <a:r>
+                        <a:rPr lang="en-US" sz="1600" dirty="0" err="1"/>
+                        <a:t>CrossOrigin</a:t>
+                      </a:r>
+                      <a:r>
+                        <a:rPr lang="en-US" sz="1600" dirty="0"/>
+                        <a:t> </a:t>
+                      </a:r>
+                      <a:r>
+                        <a:rPr lang="he-IL" sz="1600" dirty="0"/>
+                        <a:t> במחלקת </a:t>
+                      </a:r>
+                      <a:r>
+                        <a:rPr lang="en-US" sz="1600" dirty="0"/>
+                        <a:t> </a:t>
+                      </a:r>
+                      <a:r>
+                        <a:rPr lang="en-US" sz="1600" dirty="0" err="1"/>
+                        <a:t>StudentController</a:t>
+                      </a:r>
+                      <a:r>
+                        <a:rPr lang="en-US" sz="1600" dirty="0"/>
+                        <a:t> </a:t>
+                      </a:r>
+                      <a:r>
+                        <a:rPr lang="he-IL" sz="1600" dirty="0"/>
+                        <a:t>לניהול הבקשות ל-</a:t>
+                      </a:r>
+                      <a:r>
+                        <a:rPr lang="en-US" sz="1600" dirty="0"/>
+                        <a:t>API</a:t>
+                      </a:r>
+                      <a:r>
+                        <a:rPr lang="he-IL" sz="1600" dirty="0"/>
+                        <a:t>.</a:t>
+                      </a:r>
+                    </a:p>
+                    <a:p>
+                      <a:pPr lvl="1"/>
+                      <a:r>
+                        <a:rPr lang="he-IL" sz="1600" b="1" dirty="0"/>
+                        <a:t>קונפיגורציה</a:t>
+                      </a:r>
+                      <a:r>
+                        <a:rPr lang="he-IL" sz="1600" dirty="0"/>
+                        <a:t>:</a:t>
+                      </a:r>
+                    </a:p>
+                    <a:p>
+                      <a:pPr lvl="1"/>
+                      <a:r>
+                        <a:rPr lang="he-IL" sz="1600" dirty="0"/>
+                        <a:t>יצירת מחלקת קונפיגורציה </a:t>
+                      </a:r>
+                      <a:r>
+                        <a:rPr lang="en-US" sz="1600" dirty="0"/>
+                        <a:t> </a:t>
+                      </a:r>
+                      <a:r>
+                        <a:rPr lang="en-US" sz="1600" dirty="0" err="1"/>
+                        <a:t>AppConfig</a:t>
+                      </a:r>
+                      <a:r>
+                        <a:rPr lang="en-US" sz="1600" dirty="0"/>
+                        <a:t> </a:t>
+                      </a:r>
+                      <a:r>
+                        <a:rPr lang="he-IL" sz="1600" dirty="0"/>
+                        <a:t>להגדרת </a:t>
+                      </a:r>
+                      <a:r>
+                        <a:rPr lang="en-US" sz="1600" dirty="0"/>
+                        <a:t>  </a:t>
+                      </a:r>
+                      <a:r>
+                        <a:rPr lang="en-US" sz="1600" dirty="0" err="1"/>
+                        <a:t>RestTemplate</a:t>
+                      </a:r>
+                      <a:r>
+                        <a:rPr lang="en-US" sz="1600" dirty="0"/>
+                        <a:t> </a:t>
+                      </a:r>
+                      <a:r>
+                        <a:rPr lang="he-IL" sz="1600" dirty="0"/>
+                        <a:t> והגדרות </a:t>
+                      </a:r>
+                      <a:r>
+                        <a:rPr lang="en-US" sz="1600" dirty="0"/>
+                        <a:t>.</a:t>
+                      </a:r>
+                    </a:p>
+                    <a:p>
+                      <a:pPr lvl="1"/>
+                      <a:r>
+                        <a:rPr lang="en-US" sz="1600" dirty="0"/>
+                        <a:t>CORS</a:t>
+                      </a:r>
+                      <a:r>
+                        <a:rPr lang="he-IL" sz="1600" b="1" dirty="0"/>
+                        <a:t>מחלקת ישות</a:t>
+                      </a:r>
+                      <a:r>
+                        <a:rPr lang="he-IL" sz="1600" dirty="0"/>
+                        <a:t>:</a:t>
+                      </a:r>
+                    </a:p>
+                    <a:p>
+                      <a:pPr lvl="1"/>
+                      <a:r>
+                        <a:rPr lang="he-IL" sz="1600" dirty="0"/>
+                        <a:t>יצירת מחלקת </a:t>
+                      </a:r>
+                      <a:r>
+                        <a:rPr lang="en-US" sz="1600" dirty="0"/>
+                        <a:t>Entity </a:t>
+                      </a:r>
+                      <a:r>
+                        <a:rPr lang="he-IL" sz="1600" dirty="0"/>
+                        <a:t> בשם </a:t>
+                      </a:r>
+                      <a:r>
+                        <a:rPr lang="en-US" sz="1600" dirty="0"/>
+                        <a:t>Student </a:t>
+                      </a:r>
+                      <a:r>
+                        <a:rPr lang="he-IL" sz="1600" dirty="0"/>
+                        <a:t> הכוללת פרטים כמו מזהה, שם פרטי, שם משפחה, מייל, טלפונים, חוב וסטטוס.</a:t>
+                      </a:r>
+                    </a:p>
                     <a:p>
                       <a:pPr marL="0" marR="0" lvl="0" indent="0" algn="r" defTabSz="914400" rtl="1" eaLnBrk="1" fontAlgn="auto" latinLnBrk="0" hangingPunct="1">
                         <a:lnSpc>
@@ -5916,7 +6611,7 @@
                 </a:tc>
                 <a:extLst>
                   <a:ext uri="{0D108BD9-81ED-4DB2-BD59-A6C34878D82A}">
-                    <a16:rowId xmlns:a16="http://schemas.microsoft.com/office/drawing/2014/main" val="616851175"/>
+                    <a16:rowId xmlns:a16="http://schemas.microsoft.com/office/drawing/2014/main" val="3737988478"/>
                   </a:ext>
                 </a:extLst>
               </a:tr>
@@ -5937,7 +6632,990 @@
 </p:sld>
 </file>
 
-<file path=ppt/slides/slide15.xml><?xml version="1.0" encoding="utf-8"?>
+<file path=ppt/slides/slide17.xml><?xml version="1.0" encoding="utf-8"?>
+<p:sld xmlns:a="http://schemas.openxmlformats.org/drawingml/2006/main" xmlns:r="http://schemas.openxmlformats.org/officeDocument/2006/relationships" xmlns:p="http://schemas.openxmlformats.org/presentationml/2006/main">
+  <p:cSld>
+    <p:spTree>
+      <p:nvGrpSpPr>
+        <p:cNvPr id="1" name=""/>
+        <p:cNvGrpSpPr/>
+        <p:nvPr/>
+      </p:nvGrpSpPr>
+      <p:grpSpPr>
+        <a:xfrm>
+          <a:off x="0" y="0"/>
+          <a:ext cx="0" cy="0"/>
+          <a:chOff x="0" y="0"/>
+          <a:chExt cx="0" cy="0"/>
+        </a:xfrm>
+      </p:grpSpPr>
+      <p:pic>
+        <p:nvPicPr>
+          <p:cNvPr id="5" name="Google Shape;69;p1" descr="תמונה שמכילה טקסט, גופן, גרפיקה, לוגו&#10;&#10;התיאור נוצר באופן אוטומטי">
+            <a:extLst>
+              <a:ext uri="{FF2B5EF4-FFF2-40B4-BE49-F238E27FC236}">
+                <a16:creationId xmlns:a16="http://schemas.microsoft.com/office/drawing/2014/main" id="{951B4679-100A-4E54-AAAA-DC3FBF79E45B}"/>
+              </a:ext>
+            </a:extLst>
+          </p:cNvPr>
+          <p:cNvPicPr preferRelativeResize="0"/>
+          <p:nvPr/>
+        </p:nvPicPr>
+        <p:blipFill rotWithShape="1">
+          <a:blip r:embed="rId2">
+            <a:alphaModFix/>
+          </a:blip>
+          <a:srcRect/>
+          <a:stretch/>
+        </p:blipFill>
+        <p:spPr>
+          <a:xfrm>
+            <a:off x="9505029" y="5468273"/>
+            <a:ext cx="2550511" cy="1225663"/>
+          </a:xfrm>
+          <a:prstGeom prst="rect">
+            <a:avLst/>
+          </a:prstGeom>
+          <a:noFill/>
+          <a:ln>
+            <a:noFill/>
+          </a:ln>
+        </p:spPr>
+      </p:pic>
+      <p:sp>
+        <p:nvSpPr>
+          <p:cNvPr id="6" name="כותרת 1">
+            <a:extLst>
+              <a:ext uri="{FF2B5EF4-FFF2-40B4-BE49-F238E27FC236}">
+                <a16:creationId xmlns:a16="http://schemas.microsoft.com/office/drawing/2014/main" id="{E7C0EC09-566C-8E7B-8EB2-672D6EF61BC5}"/>
+              </a:ext>
+            </a:extLst>
+          </p:cNvPr>
+          <p:cNvSpPr>
+            <a:spLocks noGrp="1"/>
+          </p:cNvSpPr>
+          <p:nvPr>
+            <p:ph type="title"/>
+          </p:nvPr>
+        </p:nvSpPr>
+        <p:spPr>
+          <a:xfrm>
+            <a:off x="1017494" y="-101039"/>
+            <a:ext cx="9874623" cy="952687"/>
+          </a:xfrm>
+        </p:spPr>
+        <p:txBody>
+          <a:bodyPr>
+            <a:normAutofit/>
+          </a:bodyPr>
+          <a:lstStyle/>
+          <a:p>
+            <a:pPr algn="ctr"/>
+            <a:r>
+              <a:rPr lang="he-IL" dirty="0">
+                <a:solidFill>
+                  <a:schemeClr val="tx2">
+                    <a:lumMod val="60000"/>
+                    <a:lumOff val="40000"/>
+                  </a:schemeClr>
+                </a:solidFill>
+                <a:cs typeface="+mn-cs"/>
+              </a:rPr>
+              <a:t>צילומי מסך של המשימה</a:t>
+            </a:r>
+            <a:endParaRPr lang="he-IL" dirty="0"/>
+          </a:p>
+        </p:txBody>
+      </p:sp>
+      <p:pic>
+        <p:nvPicPr>
+          <p:cNvPr id="9" name="תמונה 8">
+            <a:extLst>
+              <a:ext uri="{FF2B5EF4-FFF2-40B4-BE49-F238E27FC236}">
+                <a16:creationId xmlns:a16="http://schemas.microsoft.com/office/drawing/2014/main" id="{D377CDC3-DAA5-9AE9-C21D-A2FBCC384D47}"/>
+              </a:ext>
+            </a:extLst>
+          </p:cNvPr>
+          <p:cNvPicPr>
+            <a:picLocks noChangeAspect="1"/>
+          </p:cNvPicPr>
+          <p:nvPr/>
+        </p:nvPicPr>
+        <p:blipFill>
+          <a:blip r:embed="rId3">
+            <a:extLst>
+              <a:ext uri="{28A0092B-C50C-407E-A947-70E740481C1C}">
+                <a14:useLocalDpi xmlns:a14="http://schemas.microsoft.com/office/drawing/2010/main" val="0"/>
+              </a:ext>
+            </a:extLst>
+          </a:blip>
+          <a:stretch>
+            <a:fillRect/>
+          </a:stretch>
+        </p:blipFill>
+        <p:spPr>
+          <a:xfrm>
+            <a:off x="136460" y="2460299"/>
+            <a:ext cx="7080358" cy="4105835"/>
+          </a:xfrm>
+          <a:prstGeom prst="rect">
+            <a:avLst/>
+          </a:prstGeom>
+          <a:ln w="19050">
+            <a:solidFill>
+              <a:schemeClr val="accent1">
+                <a:lumMod val="60000"/>
+                <a:lumOff val="40000"/>
+              </a:schemeClr>
+            </a:solidFill>
+          </a:ln>
+        </p:spPr>
+      </p:pic>
+      <p:pic>
+        <p:nvPicPr>
+          <p:cNvPr id="7" name="תמונה 6">
+            <a:extLst>
+              <a:ext uri="{FF2B5EF4-FFF2-40B4-BE49-F238E27FC236}">
+                <a16:creationId xmlns:a16="http://schemas.microsoft.com/office/drawing/2014/main" id="{91CA23F4-A14A-1F90-368E-EB076DE130CB}"/>
+              </a:ext>
+            </a:extLst>
+          </p:cNvPr>
+          <p:cNvPicPr>
+            <a:picLocks noChangeAspect="1"/>
+          </p:cNvPicPr>
+          <p:nvPr/>
+        </p:nvPicPr>
+        <p:blipFill>
+          <a:blip r:embed="rId4">
+            <a:extLst>
+              <a:ext uri="{28A0092B-C50C-407E-A947-70E740481C1C}">
+                <a14:useLocalDpi xmlns:a14="http://schemas.microsoft.com/office/drawing/2010/main" val="0"/>
+              </a:ext>
+            </a:extLst>
+          </a:blip>
+          <a:stretch>
+            <a:fillRect/>
+          </a:stretch>
+        </p:blipFill>
+        <p:spPr>
+          <a:xfrm>
+            <a:off x="4841501" y="832938"/>
+            <a:ext cx="6808529" cy="3831010"/>
+          </a:xfrm>
+          <a:prstGeom prst="rect">
+            <a:avLst/>
+          </a:prstGeom>
+          <a:ln w="19050">
+            <a:solidFill>
+              <a:schemeClr val="accent1">
+                <a:lumMod val="60000"/>
+                <a:lumOff val="40000"/>
+              </a:schemeClr>
+            </a:solidFill>
+          </a:ln>
+        </p:spPr>
+      </p:pic>
+    </p:spTree>
+    <p:extLst>
+      <p:ext uri="{BB962C8B-B14F-4D97-AF65-F5344CB8AC3E}">
+        <p14:creationId xmlns:p14="http://schemas.microsoft.com/office/powerpoint/2010/main" val="1306471089"/>
+      </p:ext>
+    </p:extLst>
+  </p:cSld>
+  <p:clrMapOvr>
+    <a:masterClrMapping/>
+  </p:clrMapOvr>
+</p:sld>
+</file>
+
+<file path=ppt/slides/slide18.xml><?xml version="1.0" encoding="utf-8"?>
+<p:sld xmlns:a="http://schemas.openxmlformats.org/drawingml/2006/main" xmlns:r="http://schemas.openxmlformats.org/officeDocument/2006/relationships" xmlns:p="http://schemas.openxmlformats.org/presentationml/2006/main">
+  <p:cSld>
+    <p:spTree>
+      <p:nvGrpSpPr>
+        <p:cNvPr id="1" name=""/>
+        <p:cNvGrpSpPr/>
+        <p:nvPr/>
+      </p:nvGrpSpPr>
+      <p:grpSpPr>
+        <a:xfrm>
+          <a:off x="0" y="0"/>
+          <a:ext cx="0" cy="0"/>
+          <a:chOff x="0" y="0"/>
+          <a:chExt cx="0" cy="0"/>
+        </a:xfrm>
+      </p:grpSpPr>
+      <p:pic>
+        <p:nvPicPr>
+          <p:cNvPr id="5" name="Google Shape;69;p1" descr="תמונה שמכילה טקסט, גופן, גרפיקה, לוגו&#10;&#10;התיאור נוצר באופן אוטומטי">
+            <a:extLst>
+              <a:ext uri="{FF2B5EF4-FFF2-40B4-BE49-F238E27FC236}">
+                <a16:creationId xmlns:a16="http://schemas.microsoft.com/office/drawing/2014/main" id="{951B4679-100A-4E54-AAAA-DC3FBF79E45B}"/>
+              </a:ext>
+            </a:extLst>
+          </p:cNvPr>
+          <p:cNvPicPr preferRelativeResize="0"/>
+          <p:nvPr/>
+        </p:nvPicPr>
+        <p:blipFill rotWithShape="1">
+          <a:blip r:embed="rId2">
+            <a:alphaModFix/>
+          </a:blip>
+          <a:srcRect/>
+          <a:stretch/>
+        </p:blipFill>
+        <p:spPr>
+          <a:xfrm>
+            <a:off x="9437488" y="129085"/>
+            <a:ext cx="2550511" cy="1225663"/>
+          </a:xfrm>
+          <a:prstGeom prst="rect">
+            <a:avLst/>
+          </a:prstGeom>
+          <a:noFill/>
+          <a:ln>
+            <a:noFill/>
+          </a:ln>
+        </p:spPr>
+      </p:pic>
+      <p:sp>
+        <p:nvSpPr>
+          <p:cNvPr id="6" name="כותרת 1">
+            <a:extLst>
+              <a:ext uri="{FF2B5EF4-FFF2-40B4-BE49-F238E27FC236}">
+                <a16:creationId xmlns:a16="http://schemas.microsoft.com/office/drawing/2014/main" id="{E7C0EC09-566C-8E7B-8EB2-672D6EF61BC5}"/>
+              </a:ext>
+            </a:extLst>
+          </p:cNvPr>
+          <p:cNvSpPr>
+            <a:spLocks noGrp="1"/>
+          </p:cNvSpPr>
+          <p:nvPr>
+            <p:ph type="title"/>
+          </p:nvPr>
+        </p:nvSpPr>
+        <p:spPr>
+          <a:xfrm>
+            <a:off x="1017494" y="-101039"/>
+            <a:ext cx="9874623" cy="952687"/>
+          </a:xfrm>
+        </p:spPr>
+        <p:txBody>
+          <a:bodyPr>
+            <a:normAutofit/>
+          </a:bodyPr>
+          <a:lstStyle/>
+          <a:p>
+            <a:pPr algn="ctr"/>
+            <a:r>
+              <a:rPr lang="he-IL" dirty="0">
+                <a:solidFill>
+                  <a:schemeClr val="tx2">
+                    <a:lumMod val="60000"/>
+                    <a:lumOff val="40000"/>
+                  </a:schemeClr>
+                </a:solidFill>
+                <a:cs typeface="+mn-cs"/>
+              </a:rPr>
+              <a:t>צילומי מסך של המשימה</a:t>
+            </a:r>
+            <a:endParaRPr lang="he-IL" dirty="0"/>
+          </a:p>
+        </p:txBody>
+      </p:sp>
+      <p:pic>
+        <p:nvPicPr>
+          <p:cNvPr id="3" name="תמונה 2">
+            <a:extLst>
+              <a:ext uri="{FF2B5EF4-FFF2-40B4-BE49-F238E27FC236}">
+                <a16:creationId xmlns:a16="http://schemas.microsoft.com/office/drawing/2014/main" id="{8482A531-53F0-D8BC-244B-3C16E0D1E532}"/>
+              </a:ext>
+            </a:extLst>
+          </p:cNvPr>
+          <p:cNvPicPr>
+            <a:picLocks noChangeAspect="1"/>
+          </p:cNvPicPr>
+          <p:nvPr/>
+        </p:nvPicPr>
+        <p:blipFill>
+          <a:blip r:embed="rId3"/>
+          <a:stretch>
+            <a:fillRect/>
+          </a:stretch>
+        </p:blipFill>
+        <p:spPr>
+          <a:xfrm>
+            <a:off x="0" y="741916"/>
+            <a:ext cx="6413306" cy="5022757"/>
+          </a:xfrm>
+          <a:prstGeom prst="rect">
+            <a:avLst/>
+          </a:prstGeom>
+        </p:spPr>
+      </p:pic>
+      <p:pic>
+        <p:nvPicPr>
+          <p:cNvPr id="9" name="תמונה 8">
+            <a:extLst>
+              <a:ext uri="{FF2B5EF4-FFF2-40B4-BE49-F238E27FC236}">
+                <a16:creationId xmlns:a16="http://schemas.microsoft.com/office/drawing/2014/main" id="{CE051991-28F1-879F-B86D-0F74AC34391A}"/>
+              </a:ext>
+            </a:extLst>
+          </p:cNvPr>
+          <p:cNvPicPr>
+            <a:picLocks noChangeAspect="1"/>
+          </p:cNvPicPr>
+          <p:nvPr/>
+        </p:nvPicPr>
+        <p:blipFill>
+          <a:blip r:embed="rId4"/>
+          <a:stretch>
+            <a:fillRect/>
+          </a:stretch>
+        </p:blipFill>
+        <p:spPr>
+          <a:xfrm>
+            <a:off x="4654923" y="1857849"/>
+            <a:ext cx="7333076" cy="4836087"/>
+          </a:xfrm>
+          <a:prstGeom prst="rect">
+            <a:avLst/>
+          </a:prstGeom>
+        </p:spPr>
+      </p:pic>
+    </p:spTree>
+    <p:extLst>
+      <p:ext uri="{BB962C8B-B14F-4D97-AF65-F5344CB8AC3E}">
+        <p14:creationId xmlns:p14="http://schemas.microsoft.com/office/powerpoint/2010/main" val="1464464642"/>
+      </p:ext>
+    </p:extLst>
+  </p:cSld>
+  <p:clrMapOvr>
+    <a:masterClrMapping/>
+  </p:clrMapOvr>
+</p:sld>
+</file>
+
+<file path=ppt/slides/slide19.xml><?xml version="1.0" encoding="utf-8"?>
+<p:sld xmlns:a="http://schemas.openxmlformats.org/drawingml/2006/main" xmlns:r="http://schemas.openxmlformats.org/officeDocument/2006/relationships" xmlns:p="http://schemas.openxmlformats.org/presentationml/2006/main">
+  <p:cSld>
+    <p:spTree>
+      <p:nvGrpSpPr>
+        <p:cNvPr id="1" name=""/>
+        <p:cNvGrpSpPr/>
+        <p:nvPr/>
+      </p:nvGrpSpPr>
+      <p:grpSpPr>
+        <a:xfrm>
+          <a:off x="0" y="0"/>
+          <a:ext cx="0" cy="0"/>
+          <a:chOff x="0" y="0"/>
+          <a:chExt cx="0" cy="0"/>
+        </a:xfrm>
+      </p:grpSpPr>
+      <p:pic>
+        <p:nvPicPr>
+          <p:cNvPr id="5" name="Google Shape;69;p1" descr="תמונה שמכילה טקסט, גופן, גרפיקה, לוגו&#10;&#10;התיאור נוצר באופן אוטומטי">
+            <a:extLst>
+              <a:ext uri="{FF2B5EF4-FFF2-40B4-BE49-F238E27FC236}">
+                <a16:creationId xmlns:a16="http://schemas.microsoft.com/office/drawing/2014/main" id="{951B4679-100A-4E54-AAAA-DC3FBF79E45B}"/>
+              </a:ext>
+            </a:extLst>
+          </p:cNvPr>
+          <p:cNvPicPr preferRelativeResize="0"/>
+          <p:nvPr/>
+        </p:nvPicPr>
+        <p:blipFill rotWithShape="1">
+          <a:blip r:embed="rId2">
+            <a:alphaModFix/>
+          </a:blip>
+          <a:srcRect/>
+          <a:stretch/>
+        </p:blipFill>
+        <p:spPr>
+          <a:xfrm>
+            <a:off x="9505029" y="5468273"/>
+            <a:ext cx="2550511" cy="1225663"/>
+          </a:xfrm>
+          <a:prstGeom prst="rect">
+            <a:avLst/>
+          </a:prstGeom>
+          <a:noFill/>
+          <a:ln>
+            <a:noFill/>
+          </a:ln>
+        </p:spPr>
+      </p:pic>
+      <p:sp>
+        <p:nvSpPr>
+          <p:cNvPr id="6" name="כותרת 1">
+            <a:extLst>
+              <a:ext uri="{FF2B5EF4-FFF2-40B4-BE49-F238E27FC236}">
+                <a16:creationId xmlns:a16="http://schemas.microsoft.com/office/drawing/2014/main" id="{E7C0EC09-566C-8E7B-8EB2-672D6EF61BC5}"/>
+              </a:ext>
+            </a:extLst>
+          </p:cNvPr>
+          <p:cNvSpPr>
+            <a:spLocks noGrp="1"/>
+          </p:cNvSpPr>
+          <p:nvPr>
+            <p:ph type="title"/>
+          </p:nvPr>
+        </p:nvSpPr>
+        <p:spPr>
+          <a:xfrm>
+            <a:off x="1017494" y="-101039"/>
+            <a:ext cx="9874623" cy="952687"/>
+          </a:xfrm>
+        </p:spPr>
+        <p:txBody>
+          <a:bodyPr>
+            <a:normAutofit/>
+          </a:bodyPr>
+          <a:lstStyle/>
+          <a:p>
+            <a:pPr algn="ctr"/>
+            <a:r>
+              <a:rPr lang="he-IL" dirty="0">
+                <a:solidFill>
+                  <a:schemeClr val="tx2">
+                    <a:lumMod val="60000"/>
+                    <a:lumOff val="40000"/>
+                  </a:schemeClr>
+                </a:solidFill>
+                <a:cs typeface="+mn-cs"/>
+              </a:rPr>
+              <a:t>צילומי מסך של המשימה</a:t>
+            </a:r>
+            <a:endParaRPr lang="he-IL" dirty="0"/>
+          </a:p>
+        </p:txBody>
+      </p:sp>
+      <p:pic>
+        <p:nvPicPr>
+          <p:cNvPr id="7" name="תמונה 6">
+            <a:extLst>
+              <a:ext uri="{FF2B5EF4-FFF2-40B4-BE49-F238E27FC236}">
+                <a16:creationId xmlns:a16="http://schemas.microsoft.com/office/drawing/2014/main" id="{D06BFCE4-88DD-F82E-5FA8-C279F6D073F7}"/>
+              </a:ext>
+            </a:extLst>
+          </p:cNvPr>
+          <p:cNvPicPr>
+            <a:picLocks noChangeAspect="1"/>
+          </p:cNvPicPr>
+          <p:nvPr/>
+        </p:nvPicPr>
+        <p:blipFill>
+          <a:blip r:embed="rId3"/>
+          <a:stretch>
+            <a:fillRect/>
+          </a:stretch>
+        </p:blipFill>
+        <p:spPr>
+          <a:xfrm>
+            <a:off x="1762767" y="1073085"/>
+            <a:ext cx="7910152" cy="3978639"/>
+          </a:xfrm>
+          <a:prstGeom prst="rect">
+            <a:avLst/>
+          </a:prstGeom>
+        </p:spPr>
+      </p:pic>
+    </p:spTree>
+    <p:extLst>
+      <p:ext uri="{BB962C8B-B14F-4D97-AF65-F5344CB8AC3E}">
+        <p14:creationId xmlns:p14="http://schemas.microsoft.com/office/powerpoint/2010/main" val="710544176"/>
+      </p:ext>
+    </p:extLst>
+  </p:cSld>
+  <p:clrMapOvr>
+    <a:masterClrMapping/>
+  </p:clrMapOvr>
+</p:sld>
+</file>
+
+<file path=ppt/slides/slide2.xml><?xml version="1.0" encoding="utf-8"?>
+<p:sld xmlns:a="http://schemas.openxmlformats.org/drawingml/2006/main" xmlns:r="http://schemas.openxmlformats.org/officeDocument/2006/relationships" xmlns:p="http://schemas.openxmlformats.org/presentationml/2006/main">
+  <p:cSld>
+    <p:spTree>
+      <p:nvGrpSpPr>
+        <p:cNvPr id="1" name=""/>
+        <p:cNvGrpSpPr/>
+        <p:nvPr/>
+      </p:nvGrpSpPr>
+      <p:grpSpPr>
+        <a:xfrm>
+          <a:off x="0" y="0"/>
+          <a:ext cx="0" cy="0"/>
+          <a:chOff x="0" y="0"/>
+          <a:chExt cx="0" cy="0"/>
+        </a:xfrm>
+      </p:grpSpPr>
+      <p:sp>
+        <p:nvSpPr>
+          <p:cNvPr id="2" name="כותרת 1">
+            <a:extLst>
+              <a:ext uri="{FF2B5EF4-FFF2-40B4-BE49-F238E27FC236}">
+                <a16:creationId xmlns:a16="http://schemas.microsoft.com/office/drawing/2014/main" id="{65E1D24E-AAD3-9588-86EE-AE0795E11E5F}"/>
+              </a:ext>
+            </a:extLst>
+          </p:cNvPr>
+          <p:cNvSpPr>
+            <a:spLocks noGrp="1"/>
+          </p:cNvSpPr>
+          <p:nvPr>
+            <p:ph type="title"/>
+          </p:nvPr>
+        </p:nvSpPr>
+        <p:spPr/>
+        <p:txBody>
+          <a:bodyPr/>
+          <a:lstStyle/>
+          <a:p>
+            <a:pPr algn="ctr"/>
+            <a:r>
+              <a:rPr lang="he-IL" dirty="0">
+                <a:solidFill>
+                  <a:schemeClr val="tx2">
+                    <a:lumMod val="60000"/>
+                    <a:lumOff val="40000"/>
+                  </a:schemeClr>
+                </a:solidFill>
+                <a:cs typeface="+mn-cs"/>
+              </a:rPr>
+              <a:t>הסמינר הישן</a:t>
+            </a:r>
+          </a:p>
+        </p:txBody>
+      </p:sp>
+      <p:sp>
+        <p:nvSpPr>
+          <p:cNvPr id="3" name="מציין מיקום תוכן 2">
+            <a:extLst>
+              <a:ext uri="{FF2B5EF4-FFF2-40B4-BE49-F238E27FC236}">
+                <a16:creationId xmlns:a16="http://schemas.microsoft.com/office/drawing/2014/main" id="{BAD6C555-3907-D957-1935-9834CC03C744}"/>
+              </a:ext>
+            </a:extLst>
+          </p:cNvPr>
+          <p:cNvSpPr>
+            <a:spLocks noGrp="1"/>
+          </p:cNvSpPr>
+          <p:nvPr>
+            <p:ph idx="1"/>
+          </p:nvPr>
+        </p:nvSpPr>
+        <p:spPr/>
+        <p:txBody>
+          <a:bodyPr>
+            <a:normAutofit/>
+          </a:bodyPr>
+          <a:lstStyle/>
+          <a:p>
+            <a:pPr marL="0" marR="0" lvl="0" indent="0" algn="r" rtl="1">
+              <a:lnSpc>
+                <a:spcPct val="120000"/>
+              </a:lnSpc>
+              <a:spcBef>
+                <a:spcPts val="0"/>
+              </a:spcBef>
+              <a:spcAft>
+                <a:spcPts val="0"/>
+              </a:spcAft>
+              <a:buClr>
+                <a:srgbClr val="FFFFFF"/>
+              </a:buClr>
+              <a:buSzPts val="1600"/>
+              <a:buNone/>
+            </a:pPr>
+            <a:r>
+              <a:rPr lang="iw-IL" sz="2400" b="1" i="0" u="none" strike="noStrike" cap="none" dirty="0">
+                <a:latin typeface="Arial"/>
+                <a:ea typeface="Arial"/>
+                <a:cs typeface="Arial"/>
+                <a:sym typeface="Arial"/>
+              </a:rPr>
+              <a:t>שם המוסד החינוכי:</a:t>
+            </a:r>
+            <a:r>
+              <a:rPr lang="he-IL" sz="2400" b="1" dirty="0">
+                <a:latin typeface="Arial"/>
+                <a:ea typeface="Arial"/>
+                <a:cs typeface="Arial"/>
+                <a:sym typeface="Arial"/>
+              </a:rPr>
+              <a:t> </a:t>
+            </a:r>
+            <a:r>
+              <a:rPr lang="he-IL" sz="2400" dirty="0">
+                <a:latin typeface="Arial"/>
+                <a:ea typeface="Arial"/>
+                <a:cs typeface="Arial"/>
+                <a:sym typeface="Arial"/>
+              </a:rPr>
+              <a:t>מכון בית יעקב למורות- סמינר הישן</a:t>
+            </a:r>
+            <a:endParaRPr lang="iw-IL" sz="3200" dirty="0"/>
+          </a:p>
+          <a:p>
+            <a:pPr marL="0" marR="0" lvl="0" indent="0" algn="r" rtl="1">
+              <a:lnSpc>
+                <a:spcPct val="120000"/>
+              </a:lnSpc>
+              <a:spcBef>
+                <a:spcPts val="0"/>
+              </a:spcBef>
+              <a:spcAft>
+                <a:spcPts val="0"/>
+              </a:spcAft>
+              <a:buClr>
+                <a:srgbClr val="FFFFFF"/>
+              </a:buClr>
+              <a:buSzPts val="1600"/>
+              <a:buNone/>
+            </a:pPr>
+            <a:r>
+              <a:rPr lang="iw-IL" sz="2400" b="1" i="0" u="none" strike="noStrike" cap="none" dirty="0">
+                <a:latin typeface="Arial"/>
+                <a:ea typeface="Arial"/>
+                <a:cs typeface="Arial"/>
+                <a:sym typeface="Arial"/>
+              </a:rPr>
+              <a:t>שם הסטודנט</a:t>
+            </a:r>
+            <a:r>
+              <a:rPr lang="iw-IL" sz="2400" b="1" dirty="0">
+                <a:latin typeface="Arial"/>
+                <a:ea typeface="Arial"/>
+                <a:cs typeface="Arial"/>
+                <a:sym typeface="Arial"/>
+              </a:rPr>
+              <a:t>: </a:t>
+            </a:r>
+            <a:r>
+              <a:rPr lang="he-IL" sz="2400" dirty="0">
+                <a:latin typeface="Arial"/>
+                <a:ea typeface="Arial"/>
+                <a:cs typeface="Arial"/>
+                <a:sym typeface="Arial"/>
+              </a:rPr>
+              <a:t>אורה </a:t>
+            </a:r>
+            <a:r>
+              <a:rPr lang="he-IL" sz="2400" dirty="0" err="1">
+                <a:latin typeface="Arial"/>
+                <a:ea typeface="Arial"/>
+                <a:cs typeface="Arial"/>
+                <a:sym typeface="Arial"/>
+              </a:rPr>
+              <a:t>טולדנו</a:t>
+            </a:r>
+            <a:endParaRPr lang="he-IL" sz="2400" dirty="0">
+              <a:latin typeface="Arial"/>
+              <a:ea typeface="Arial"/>
+              <a:cs typeface="Arial"/>
+              <a:sym typeface="Arial"/>
+            </a:endParaRPr>
+          </a:p>
+          <a:p>
+            <a:pPr marL="0" marR="0" lvl="0" indent="0" algn="r" rtl="1">
+              <a:lnSpc>
+                <a:spcPct val="120000"/>
+              </a:lnSpc>
+              <a:spcBef>
+                <a:spcPts val="0"/>
+              </a:spcBef>
+              <a:spcAft>
+                <a:spcPts val="0"/>
+              </a:spcAft>
+              <a:buClr>
+                <a:srgbClr val="FFFFFF"/>
+              </a:buClr>
+              <a:buSzPts val="1600"/>
+              <a:buNone/>
+            </a:pPr>
+            <a:r>
+              <a:rPr lang="iw-IL" sz="2400" b="1" i="0" u="none" strike="noStrike" cap="none" dirty="0">
+                <a:latin typeface="Arial"/>
+                <a:ea typeface="Arial"/>
+                <a:cs typeface="Arial"/>
+                <a:sym typeface="Arial"/>
+              </a:rPr>
+              <a:t>שם החברה המארחת:</a:t>
+            </a:r>
+            <a:r>
+              <a:rPr lang="iw-IL" sz="2400" b="0" i="0" u="none" strike="noStrike" cap="none" dirty="0">
+                <a:latin typeface="Arial"/>
+                <a:ea typeface="Arial"/>
+                <a:cs typeface="Arial"/>
+                <a:sym typeface="Arial"/>
+              </a:rPr>
+              <a:t> </a:t>
+            </a:r>
+            <a:r>
+              <a:rPr lang="en-US" sz="2400" dirty="0" err="1">
+                <a:latin typeface="Arial"/>
+                <a:ea typeface="Arial"/>
+                <a:cs typeface="Arial"/>
+                <a:sym typeface="Arial"/>
+              </a:rPr>
+              <a:t>diversitech</a:t>
+            </a:r>
+            <a:r>
+              <a:rPr lang="en-US" sz="2400" dirty="0">
+                <a:latin typeface="Arial"/>
+                <a:ea typeface="Arial"/>
+                <a:cs typeface="Arial"/>
+                <a:sym typeface="Arial"/>
+              </a:rPr>
+              <a:t> </a:t>
+            </a:r>
+            <a:r>
+              <a:rPr lang="iw-IL" sz="2400" dirty="0">
+                <a:latin typeface="Arial"/>
+                <a:ea typeface="Arial"/>
+                <a:cs typeface="Arial"/>
+                <a:sym typeface="Arial"/>
+              </a:rPr>
+              <a:t>טכנולוגיה</a:t>
+            </a:r>
+            <a:endParaRPr lang="iw-IL" sz="2400" b="0" i="0" u="none" strike="noStrike" cap="none" dirty="0">
+              <a:latin typeface="Arial"/>
+              <a:ea typeface="Arial"/>
+              <a:cs typeface="Arial"/>
+              <a:sym typeface="Arial"/>
+            </a:endParaRPr>
+          </a:p>
+          <a:p>
+            <a:pPr marL="0" marR="0" lvl="0" indent="0" algn="r" rtl="1">
+              <a:lnSpc>
+                <a:spcPct val="120000"/>
+              </a:lnSpc>
+              <a:spcBef>
+                <a:spcPts val="0"/>
+              </a:spcBef>
+              <a:spcAft>
+                <a:spcPts val="0"/>
+              </a:spcAft>
+              <a:buClr>
+                <a:srgbClr val="FFFFFF"/>
+              </a:buClr>
+              <a:buSzPts val="1600"/>
+              <a:buNone/>
+            </a:pPr>
+            <a:r>
+              <a:rPr lang="iw-IL" sz="2400" b="1" i="0" u="none" strike="noStrike" cap="none" dirty="0">
+                <a:latin typeface="Arial"/>
+                <a:ea typeface="Arial"/>
+                <a:cs typeface="Arial"/>
+                <a:sym typeface="Arial"/>
+              </a:rPr>
+              <a:t>שם הלקוח הסופי: </a:t>
+            </a:r>
+            <a:r>
+              <a:rPr lang="iw-IL" sz="2400" dirty="0">
+                <a:latin typeface="Arial"/>
+                <a:ea typeface="Arial"/>
+                <a:cs typeface="Arial"/>
+                <a:sym typeface="Arial"/>
+              </a:rPr>
+              <a:t>הסמינר הישן</a:t>
+            </a:r>
+          </a:p>
+          <a:p>
+            <a:pPr marL="0" marR="0" lvl="0" indent="0" algn="r" rtl="1">
+              <a:lnSpc>
+                <a:spcPct val="120000"/>
+              </a:lnSpc>
+              <a:spcBef>
+                <a:spcPts val="0"/>
+              </a:spcBef>
+              <a:spcAft>
+                <a:spcPts val="0"/>
+              </a:spcAft>
+              <a:buClr>
+                <a:srgbClr val="FFFFFF"/>
+              </a:buClr>
+              <a:buSzPts val="1600"/>
+              <a:buNone/>
+            </a:pPr>
+            <a:r>
+              <a:rPr lang="iw-IL" sz="2400" b="1" dirty="0">
+                <a:latin typeface="Arial"/>
+                <a:ea typeface="Arial"/>
+                <a:cs typeface="Arial"/>
+                <a:sym typeface="Arial"/>
+              </a:rPr>
+              <a:t>שם הפרויקט: </a:t>
+            </a:r>
+            <a:r>
+              <a:rPr lang="iw-IL" sz="2400" dirty="0">
+                <a:latin typeface="Arial"/>
+                <a:ea typeface="Arial"/>
+                <a:cs typeface="Arial"/>
+                <a:sym typeface="Arial"/>
+              </a:rPr>
+              <a:t>הסמינר הישן</a:t>
+            </a:r>
+            <a:br>
+              <a:rPr lang="iw-IL" sz="3200" dirty="0"/>
+            </a:br>
+            <a:r>
+              <a:rPr lang="iw-IL" sz="2400" b="1" dirty="0">
+                <a:latin typeface="Arial"/>
+                <a:ea typeface="Arial"/>
+                <a:cs typeface="Arial"/>
+                <a:sym typeface="Arial"/>
+              </a:rPr>
+              <a:t>תיאור</a:t>
+            </a:r>
+            <a:r>
+              <a:rPr lang="iw-IL" sz="2400" b="1" i="0" u="none" strike="noStrike" cap="none" dirty="0">
+                <a:latin typeface="Arial"/>
+                <a:ea typeface="Arial"/>
+                <a:cs typeface="Arial"/>
+                <a:sym typeface="Arial"/>
+              </a:rPr>
+              <a:t> הפרויקט:</a:t>
+            </a:r>
+            <a:r>
+              <a:rPr lang="iw-IL" sz="2400" b="0" i="0" u="none" strike="noStrike" cap="none" dirty="0">
+                <a:latin typeface="Arial"/>
+                <a:ea typeface="Arial"/>
+                <a:cs typeface="Arial"/>
+                <a:sym typeface="Arial"/>
+              </a:rPr>
+              <a:t> </a:t>
+            </a:r>
+            <a:r>
+              <a:rPr lang="iw-IL" sz="2400" dirty="0">
+                <a:latin typeface="Arial"/>
+                <a:ea typeface="Arial"/>
+                <a:cs typeface="Arial"/>
+                <a:sym typeface="Arial"/>
+              </a:rPr>
+              <a:t>אתר לניהול האגף האדמיניסטרטיבי של המכון</a:t>
+            </a:r>
+            <a:endParaRPr lang="iw-IL" sz="2400" b="0" i="0" u="none" strike="noStrike" cap="none" dirty="0">
+              <a:latin typeface="Arial"/>
+              <a:ea typeface="Arial"/>
+              <a:cs typeface="Arial"/>
+              <a:sym typeface="Arial"/>
+            </a:endParaRPr>
+          </a:p>
+          <a:p>
+            <a:pPr marL="0" marR="0" lvl="0" indent="0" algn="r" rtl="1">
+              <a:lnSpc>
+                <a:spcPct val="120000"/>
+              </a:lnSpc>
+              <a:spcBef>
+                <a:spcPts val="0"/>
+              </a:spcBef>
+              <a:spcAft>
+                <a:spcPts val="0"/>
+              </a:spcAft>
+              <a:buClr>
+                <a:srgbClr val="FFFFFF"/>
+              </a:buClr>
+              <a:buSzPts val="1600"/>
+              <a:buNone/>
+            </a:pPr>
+            <a:r>
+              <a:rPr lang="iw-IL" sz="2400" b="1" i="0" u="none" strike="noStrike" cap="none" dirty="0">
+                <a:latin typeface="Arial"/>
+                <a:ea typeface="Arial"/>
+                <a:cs typeface="Arial"/>
+                <a:sym typeface="Arial"/>
+              </a:rPr>
+              <a:t>שם המנחה האישי:</a:t>
+            </a:r>
+            <a:r>
+              <a:rPr lang="iw-IL" sz="2400" b="0" i="0" u="none" strike="noStrike" cap="none" dirty="0">
+                <a:latin typeface="Arial"/>
+                <a:ea typeface="Arial"/>
+                <a:cs typeface="Arial"/>
+                <a:sym typeface="Arial"/>
+              </a:rPr>
+              <a:t> תהילה אשלג</a:t>
+            </a:r>
+            <a:endParaRPr lang="iw-IL" sz="3200" dirty="0"/>
+          </a:p>
+          <a:p>
+            <a:pPr marL="0" marR="0" lvl="0" indent="0" algn="r" rtl="1">
+              <a:lnSpc>
+                <a:spcPct val="120000"/>
+              </a:lnSpc>
+              <a:spcBef>
+                <a:spcPts val="0"/>
+              </a:spcBef>
+              <a:spcAft>
+                <a:spcPts val="0"/>
+              </a:spcAft>
+              <a:buClr>
+                <a:srgbClr val="FFFFFF"/>
+              </a:buClr>
+              <a:buSzPts val="1600"/>
+              <a:buNone/>
+            </a:pPr>
+            <a:r>
+              <a:rPr lang="iw-IL" sz="2400" b="1" i="0" u="none" strike="noStrike" cap="none" dirty="0">
+                <a:latin typeface="Arial"/>
+                <a:ea typeface="Arial"/>
+                <a:cs typeface="Arial"/>
+                <a:sym typeface="Arial"/>
+              </a:rPr>
+              <a:t>שם המנחה האקדמי: </a:t>
+            </a:r>
+            <a:r>
+              <a:rPr lang="iw-IL" sz="2400" i="0" u="none" strike="noStrike" cap="none" dirty="0">
+                <a:latin typeface="Arial"/>
+                <a:ea typeface="Arial"/>
+                <a:cs typeface="Arial"/>
+                <a:sym typeface="Arial"/>
+              </a:rPr>
+              <a:t>תהילה אשלג</a:t>
+            </a:r>
+            <a:br>
+              <a:rPr lang="iw-IL" sz="3200" dirty="0"/>
+            </a:br>
+            <a:r>
+              <a:rPr lang="iw-IL" sz="2400" b="1" i="0" u="none" strike="noStrike" cap="none" dirty="0">
+                <a:latin typeface="Arial"/>
+                <a:ea typeface="Arial"/>
+                <a:cs typeface="Arial"/>
+                <a:sym typeface="Arial"/>
+              </a:rPr>
+              <a:t>תאריך הגשה:</a:t>
+            </a:r>
+            <a:r>
+              <a:rPr lang="iw-IL" sz="2400" b="0" i="0" u="none" strike="noStrike" cap="none" dirty="0">
+                <a:latin typeface="Arial"/>
+                <a:ea typeface="Arial"/>
+                <a:cs typeface="Arial"/>
+                <a:sym typeface="Arial"/>
+              </a:rPr>
+              <a:t> </a:t>
+            </a:r>
+            <a:endParaRPr lang="iw-IL" sz="3200" dirty="0"/>
+          </a:p>
+          <a:p>
+            <a:endParaRPr lang="he-IL" sz="2400" dirty="0"/>
+          </a:p>
+        </p:txBody>
+      </p:sp>
+    </p:spTree>
+    <p:extLst>
+      <p:ext uri="{BB962C8B-B14F-4D97-AF65-F5344CB8AC3E}">
+        <p14:creationId xmlns:p14="http://schemas.microsoft.com/office/powerpoint/2010/main" val="1066157982"/>
+      </p:ext>
+    </p:extLst>
+  </p:cSld>
+  <p:clrMapOvr>
+    <a:masterClrMapping/>
+  </p:clrMapOvr>
+</p:sld>
+</file>
+
+<file path=ppt/slides/slide20.xml><?xml version="1.0" encoding="utf-8"?>
 <p:sld xmlns:a="http://schemas.openxmlformats.org/drawingml/2006/main" xmlns:r="http://schemas.openxmlformats.org/officeDocument/2006/relationships" xmlns:p="http://schemas.openxmlformats.org/presentationml/2006/main">
   <p:cSld>
     <p:spTree>
@@ -5994,7 +7672,7 @@
           <p:nvPr>
             <p:extLst>
               <p:ext uri="{D42A27DB-BD31-4B8C-83A1-F6EECF244321}">
-                <p14:modId xmlns:p14="http://schemas.microsoft.com/office/powerpoint/2010/main" val="4102779152"/>
+                <p14:modId xmlns:p14="http://schemas.microsoft.com/office/powerpoint/2010/main" val="1083790907"/>
               </p:ext>
             </p:extLst>
           </p:nvPr>
@@ -6375,7 +8053,7 @@
                       </a:r>
                       <a:r>
                         <a:rPr lang="he-IL" sz="2000" dirty="0"/>
-                        <a:t>וכו' ,התהליכים מפורטים במסכים הבאים (המסכים הבאים הוצגו לצוות בשביל למידת הנושא ע"י מסירת </a:t>
+                        <a:t> וכו' ,התהליכים מפורטים במסכים הבאים (המסכים הבאים הוצגו לצוות בשביל למידת הנושא ע"י מסירת </a:t>
                       </a:r>
                       <a:r>
                         <a:rPr lang="en-US" sz="2000" dirty="0"/>
@@ -6510,7 +8188,847 @@
 </p:sld>
 </file>
 
-<file path=ppt/slides/slide16.xml><?xml version="1.0" encoding="utf-8"?>
+<file path=ppt/slides/slide21.xml><?xml version="1.0" encoding="utf-8"?>
+<p:sld xmlns:a="http://schemas.openxmlformats.org/drawingml/2006/main" xmlns:r="http://schemas.openxmlformats.org/officeDocument/2006/relationships" xmlns:p="http://schemas.openxmlformats.org/presentationml/2006/main">
+  <p:cSld>
+    <p:spTree>
+      <p:nvGrpSpPr>
+        <p:cNvPr id="1" name=""/>
+        <p:cNvGrpSpPr/>
+        <p:nvPr/>
+      </p:nvGrpSpPr>
+      <p:grpSpPr>
+        <a:xfrm>
+          <a:off x="0" y="0"/>
+          <a:ext cx="0" cy="0"/>
+          <a:chOff x="0" y="0"/>
+          <a:chExt cx="0" cy="0"/>
+        </a:xfrm>
+      </p:grpSpPr>
+      <p:pic>
+        <p:nvPicPr>
+          <p:cNvPr id="5" name="Google Shape;69;p1" descr="תמונה שמכילה טקסט, גופן, גרפיקה, לוגו&#10;&#10;התיאור נוצר באופן אוטומטי">
+            <a:extLst>
+              <a:ext uri="{FF2B5EF4-FFF2-40B4-BE49-F238E27FC236}">
+                <a16:creationId xmlns:a16="http://schemas.microsoft.com/office/drawing/2014/main" id="{951B4679-100A-4E54-AAAA-DC3FBF79E45B}"/>
+              </a:ext>
+            </a:extLst>
+          </p:cNvPr>
+          <p:cNvPicPr preferRelativeResize="0"/>
+          <p:nvPr/>
+        </p:nvPicPr>
+        <p:blipFill rotWithShape="1">
+          <a:blip r:embed="rId2">
+            <a:alphaModFix/>
+          </a:blip>
+          <a:srcRect/>
+          <a:stretch/>
+        </p:blipFill>
+        <p:spPr>
+          <a:xfrm>
+            <a:off x="9505029" y="5468273"/>
+            <a:ext cx="2550511" cy="1225663"/>
+          </a:xfrm>
+          <a:prstGeom prst="rect">
+            <a:avLst/>
+          </a:prstGeom>
+          <a:noFill/>
+          <a:ln>
+            <a:noFill/>
+          </a:ln>
+        </p:spPr>
+      </p:pic>
+      <p:sp>
+        <p:nvSpPr>
+          <p:cNvPr id="6" name="כותרת 1">
+            <a:extLst>
+              <a:ext uri="{FF2B5EF4-FFF2-40B4-BE49-F238E27FC236}">
+                <a16:creationId xmlns:a16="http://schemas.microsoft.com/office/drawing/2014/main" id="{E7C0EC09-566C-8E7B-8EB2-672D6EF61BC5}"/>
+              </a:ext>
+            </a:extLst>
+          </p:cNvPr>
+          <p:cNvSpPr>
+            <a:spLocks noGrp="1"/>
+          </p:cNvSpPr>
+          <p:nvPr>
+            <p:ph type="title"/>
+          </p:nvPr>
+        </p:nvSpPr>
+        <p:spPr>
+          <a:xfrm>
+            <a:off x="1017494" y="-101039"/>
+            <a:ext cx="9874623" cy="952687"/>
+          </a:xfrm>
+        </p:spPr>
+        <p:txBody>
+          <a:bodyPr>
+            <a:normAutofit/>
+          </a:bodyPr>
+          <a:lstStyle/>
+          <a:p>
+            <a:pPr algn="ctr"/>
+            <a:r>
+              <a:rPr lang="he-IL" dirty="0">
+                <a:solidFill>
+                  <a:schemeClr val="tx2">
+                    <a:lumMod val="60000"/>
+                    <a:lumOff val="40000"/>
+                  </a:schemeClr>
+                </a:solidFill>
+                <a:cs typeface="+mn-cs"/>
+              </a:rPr>
+              <a:t>צילומי מסך של המשימה</a:t>
+            </a:r>
+            <a:endParaRPr lang="he-IL" dirty="0"/>
+          </a:p>
+        </p:txBody>
+      </p:sp>
+      <p:pic>
+        <p:nvPicPr>
+          <p:cNvPr id="7" name="תמונה 6">
+            <a:extLst>
+              <a:ext uri="{FF2B5EF4-FFF2-40B4-BE49-F238E27FC236}">
+                <a16:creationId xmlns:a16="http://schemas.microsoft.com/office/drawing/2014/main" id="{6EC0D26B-4D41-FF83-39CE-56461410FBE9}"/>
+              </a:ext>
+            </a:extLst>
+          </p:cNvPr>
+          <p:cNvPicPr>
+            <a:picLocks noChangeAspect="1"/>
+          </p:cNvPicPr>
+          <p:nvPr/>
+        </p:nvPicPr>
+        <p:blipFill>
+          <a:blip r:embed="rId3"/>
+          <a:stretch>
+            <a:fillRect/>
+          </a:stretch>
+        </p:blipFill>
+        <p:spPr>
+          <a:xfrm>
+            <a:off x="3238500" y="1819275"/>
+            <a:ext cx="5715000" cy="3219450"/>
+          </a:xfrm>
+          <a:prstGeom prst="rect">
+            <a:avLst/>
+          </a:prstGeom>
+        </p:spPr>
+      </p:pic>
+      <p:pic>
+        <p:nvPicPr>
+          <p:cNvPr id="9" name="תמונה 8">
+            <a:extLst>
+              <a:ext uri="{FF2B5EF4-FFF2-40B4-BE49-F238E27FC236}">
+                <a16:creationId xmlns:a16="http://schemas.microsoft.com/office/drawing/2014/main" id="{F4128338-4EA3-FEBF-F6CD-0484E044739D}"/>
+              </a:ext>
+            </a:extLst>
+          </p:cNvPr>
+          <p:cNvPicPr>
+            <a:picLocks noChangeAspect="1"/>
+          </p:cNvPicPr>
+          <p:nvPr/>
+        </p:nvPicPr>
+        <p:blipFill>
+          <a:blip r:embed="rId3"/>
+          <a:stretch>
+            <a:fillRect/>
+          </a:stretch>
+        </p:blipFill>
+        <p:spPr>
+          <a:xfrm>
+            <a:off x="3238500" y="1819275"/>
+            <a:ext cx="5715000" cy="3219450"/>
+          </a:xfrm>
+          <a:prstGeom prst="rect">
+            <a:avLst/>
+          </a:prstGeom>
+        </p:spPr>
+      </p:pic>
+      <p:pic>
+        <p:nvPicPr>
+          <p:cNvPr id="11" name="תמונה 10">
+            <a:extLst>
+              <a:ext uri="{FF2B5EF4-FFF2-40B4-BE49-F238E27FC236}">
+                <a16:creationId xmlns:a16="http://schemas.microsoft.com/office/drawing/2014/main" id="{06FBE054-D90D-541B-20E1-CF17415F9122}"/>
+              </a:ext>
+            </a:extLst>
+          </p:cNvPr>
+          <p:cNvPicPr>
+            <a:picLocks noChangeAspect="1"/>
+          </p:cNvPicPr>
+          <p:nvPr/>
+        </p:nvPicPr>
+        <p:blipFill>
+          <a:blip r:embed="rId3"/>
+          <a:stretch>
+            <a:fillRect/>
+          </a:stretch>
+        </p:blipFill>
+        <p:spPr>
+          <a:xfrm>
+            <a:off x="3238500" y="1819275"/>
+            <a:ext cx="5715000" cy="3219450"/>
+          </a:xfrm>
+          <a:prstGeom prst="rect">
+            <a:avLst/>
+          </a:prstGeom>
+        </p:spPr>
+      </p:pic>
+      <p:pic>
+        <p:nvPicPr>
+          <p:cNvPr id="13" name="תמונה 12">
+            <a:extLst>
+              <a:ext uri="{FF2B5EF4-FFF2-40B4-BE49-F238E27FC236}">
+                <a16:creationId xmlns:a16="http://schemas.microsoft.com/office/drawing/2014/main" id="{7DC7A5FA-26CC-2119-38CF-C8637BB57670}"/>
+              </a:ext>
+            </a:extLst>
+          </p:cNvPr>
+          <p:cNvPicPr>
+            <a:picLocks noChangeAspect="1"/>
+          </p:cNvPicPr>
+          <p:nvPr/>
+        </p:nvPicPr>
+        <p:blipFill>
+          <a:blip r:embed="rId3"/>
+          <a:stretch>
+            <a:fillRect/>
+          </a:stretch>
+        </p:blipFill>
+        <p:spPr>
+          <a:xfrm>
+            <a:off x="3238500" y="1819275"/>
+            <a:ext cx="5715000" cy="3219450"/>
+          </a:xfrm>
+          <a:prstGeom prst="rect">
+            <a:avLst/>
+          </a:prstGeom>
+        </p:spPr>
+      </p:pic>
+      <p:pic>
+        <p:nvPicPr>
+          <p:cNvPr id="15" name="תמונה 14">
+            <a:extLst>
+              <a:ext uri="{FF2B5EF4-FFF2-40B4-BE49-F238E27FC236}">
+                <a16:creationId xmlns:a16="http://schemas.microsoft.com/office/drawing/2014/main" id="{5879E864-C316-9F0E-0D0C-1E41656C58A6}"/>
+              </a:ext>
+            </a:extLst>
+          </p:cNvPr>
+          <p:cNvPicPr>
+            <a:picLocks noChangeAspect="1"/>
+          </p:cNvPicPr>
+          <p:nvPr/>
+        </p:nvPicPr>
+        <p:blipFill>
+          <a:blip r:embed="rId3"/>
+          <a:stretch>
+            <a:fillRect/>
+          </a:stretch>
+        </p:blipFill>
+        <p:spPr>
+          <a:xfrm>
+            <a:off x="3238500" y="1819275"/>
+            <a:ext cx="5715000" cy="3219450"/>
+          </a:xfrm>
+          <a:prstGeom prst="rect">
+            <a:avLst/>
+          </a:prstGeom>
+        </p:spPr>
+      </p:pic>
+      <p:pic>
+        <p:nvPicPr>
+          <p:cNvPr id="17" name="תמונה 16">
+            <a:extLst>
+              <a:ext uri="{FF2B5EF4-FFF2-40B4-BE49-F238E27FC236}">
+                <a16:creationId xmlns:a16="http://schemas.microsoft.com/office/drawing/2014/main" id="{29C9894D-7C86-21E1-A348-D391A3462280}"/>
+              </a:ext>
+            </a:extLst>
+          </p:cNvPr>
+          <p:cNvPicPr>
+            <a:picLocks noChangeAspect="1"/>
+          </p:cNvPicPr>
+          <p:nvPr/>
+        </p:nvPicPr>
+        <p:blipFill>
+          <a:blip r:embed="rId3"/>
+          <a:stretch>
+            <a:fillRect/>
+          </a:stretch>
+        </p:blipFill>
+        <p:spPr>
+          <a:xfrm>
+            <a:off x="1855694" y="735106"/>
+            <a:ext cx="9022366" cy="5082600"/>
+          </a:xfrm>
+          <a:prstGeom prst="rect">
+            <a:avLst/>
+          </a:prstGeom>
+        </p:spPr>
+      </p:pic>
+    </p:spTree>
+    <p:extLst>
+      <p:ext uri="{BB962C8B-B14F-4D97-AF65-F5344CB8AC3E}">
+        <p14:creationId xmlns:p14="http://schemas.microsoft.com/office/powerpoint/2010/main" val="4072983155"/>
+      </p:ext>
+    </p:extLst>
+  </p:cSld>
+  <p:clrMapOvr>
+    <a:masterClrMapping/>
+  </p:clrMapOvr>
+</p:sld>
+</file>
+
+<file path=ppt/slides/slide22.xml><?xml version="1.0" encoding="utf-8"?>
+<p:sld xmlns:a="http://schemas.openxmlformats.org/drawingml/2006/main" xmlns:r="http://schemas.openxmlformats.org/officeDocument/2006/relationships" xmlns:p="http://schemas.openxmlformats.org/presentationml/2006/main">
+  <p:cSld>
+    <p:spTree>
+      <p:nvGrpSpPr>
+        <p:cNvPr id="1" name=""/>
+        <p:cNvGrpSpPr/>
+        <p:nvPr/>
+      </p:nvGrpSpPr>
+      <p:grpSpPr>
+        <a:xfrm>
+          <a:off x="0" y="0"/>
+          <a:ext cx="0" cy="0"/>
+          <a:chOff x="0" y="0"/>
+          <a:chExt cx="0" cy="0"/>
+        </a:xfrm>
+      </p:grpSpPr>
+      <p:pic>
+        <p:nvPicPr>
+          <p:cNvPr id="5" name="Google Shape;69;p1" descr="תמונה שמכילה טקסט, גופן, גרפיקה, לוגו&#10;&#10;התיאור נוצר באופן אוטומטי">
+            <a:extLst>
+              <a:ext uri="{FF2B5EF4-FFF2-40B4-BE49-F238E27FC236}">
+                <a16:creationId xmlns:a16="http://schemas.microsoft.com/office/drawing/2014/main" id="{951B4679-100A-4E54-AAAA-DC3FBF79E45B}"/>
+              </a:ext>
+            </a:extLst>
+          </p:cNvPr>
+          <p:cNvPicPr preferRelativeResize="0"/>
+          <p:nvPr/>
+        </p:nvPicPr>
+        <p:blipFill rotWithShape="1">
+          <a:blip r:embed="rId2">
+            <a:alphaModFix/>
+          </a:blip>
+          <a:srcRect/>
+          <a:stretch/>
+        </p:blipFill>
+        <p:spPr>
+          <a:xfrm>
+            <a:off x="9505029" y="5468273"/>
+            <a:ext cx="2550511" cy="1225663"/>
+          </a:xfrm>
+          <a:prstGeom prst="rect">
+            <a:avLst/>
+          </a:prstGeom>
+          <a:noFill/>
+          <a:ln>
+            <a:noFill/>
+          </a:ln>
+        </p:spPr>
+      </p:pic>
+      <p:sp>
+        <p:nvSpPr>
+          <p:cNvPr id="6" name="כותרת 1">
+            <a:extLst>
+              <a:ext uri="{FF2B5EF4-FFF2-40B4-BE49-F238E27FC236}">
+                <a16:creationId xmlns:a16="http://schemas.microsoft.com/office/drawing/2014/main" id="{E7C0EC09-566C-8E7B-8EB2-672D6EF61BC5}"/>
+              </a:ext>
+            </a:extLst>
+          </p:cNvPr>
+          <p:cNvSpPr>
+            <a:spLocks noGrp="1"/>
+          </p:cNvSpPr>
+          <p:nvPr>
+            <p:ph type="title"/>
+          </p:nvPr>
+        </p:nvSpPr>
+        <p:spPr>
+          <a:xfrm>
+            <a:off x="1017494" y="-101039"/>
+            <a:ext cx="9874623" cy="952687"/>
+          </a:xfrm>
+        </p:spPr>
+        <p:txBody>
+          <a:bodyPr>
+            <a:normAutofit/>
+          </a:bodyPr>
+          <a:lstStyle/>
+          <a:p>
+            <a:pPr algn="ctr"/>
+            <a:r>
+              <a:rPr lang="he-IL" dirty="0">
+                <a:solidFill>
+                  <a:schemeClr val="tx2">
+                    <a:lumMod val="60000"/>
+                    <a:lumOff val="40000"/>
+                  </a:schemeClr>
+                </a:solidFill>
+                <a:cs typeface="+mn-cs"/>
+              </a:rPr>
+              <a:t>צילומי מסך של המשימה</a:t>
+            </a:r>
+            <a:endParaRPr lang="he-IL" dirty="0"/>
+          </a:p>
+        </p:txBody>
+      </p:sp>
+      <p:pic>
+        <p:nvPicPr>
+          <p:cNvPr id="3" name="תמונה 2">
+            <a:extLst>
+              <a:ext uri="{FF2B5EF4-FFF2-40B4-BE49-F238E27FC236}">
+                <a16:creationId xmlns:a16="http://schemas.microsoft.com/office/drawing/2014/main" id="{A4C8507A-085B-11D9-872C-352238B084E4}"/>
+              </a:ext>
+            </a:extLst>
+          </p:cNvPr>
+          <p:cNvPicPr>
+            <a:picLocks noChangeAspect="1"/>
+          </p:cNvPicPr>
+          <p:nvPr/>
+        </p:nvPicPr>
+        <p:blipFill>
+          <a:blip r:embed="rId3"/>
+          <a:stretch>
+            <a:fillRect/>
+          </a:stretch>
+        </p:blipFill>
+        <p:spPr>
+          <a:xfrm>
+            <a:off x="1552643" y="717176"/>
+            <a:ext cx="9357245" cy="5271248"/>
+          </a:xfrm>
+          <a:prstGeom prst="rect">
+            <a:avLst/>
+          </a:prstGeom>
+        </p:spPr>
+      </p:pic>
+    </p:spTree>
+    <p:extLst>
+      <p:ext uri="{BB962C8B-B14F-4D97-AF65-F5344CB8AC3E}">
+        <p14:creationId xmlns:p14="http://schemas.microsoft.com/office/powerpoint/2010/main" val="513685786"/>
+      </p:ext>
+    </p:extLst>
+  </p:cSld>
+  <p:clrMapOvr>
+    <a:masterClrMapping/>
+  </p:clrMapOvr>
+</p:sld>
+</file>
+
+<file path=ppt/slides/slide23.xml><?xml version="1.0" encoding="utf-8"?>
+<p:sld xmlns:a="http://schemas.openxmlformats.org/drawingml/2006/main" xmlns:r="http://schemas.openxmlformats.org/officeDocument/2006/relationships" xmlns:p="http://schemas.openxmlformats.org/presentationml/2006/main">
+  <p:cSld>
+    <p:spTree>
+      <p:nvGrpSpPr>
+        <p:cNvPr id="1" name=""/>
+        <p:cNvGrpSpPr/>
+        <p:nvPr/>
+      </p:nvGrpSpPr>
+      <p:grpSpPr>
+        <a:xfrm>
+          <a:off x="0" y="0"/>
+          <a:ext cx="0" cy="0"/>
+          <a:chOff x="0" y="0"/>
+          <a:chExt cx="0" cy="0"/>
+        </a:xfrm>
+      </p:grpSpPr>
+      <p:pic>
+        <p:nvPicPr>
+          <p:cNvPr id="5" name="Google Shape;69;p1" descr="תמונה שמכילה טקסט, גופן, גרפיקה, לוגו&#10;&#10;התיאור נוצר באופן אוטומטי">
+            <a:extLst>
+              <a:ext uri="{FF2B5EF4-FFF2-40B4-BE49-F238E27FC236}">
+                <a16:creationId xmlns:a16="http://schemas.microsoft.com/office/drawing/2014/main" id="{951B4679-100A-4E54-AAAA-DC3FBF79E45B}"/>
+              </a:ext>
+            </a:extLst>
+          </p:cNvPr>
+          <p:cNvPicPr preferRelativeResize="0"/>
+          <p:nvPr/>
+        </p:nvPicPr>
+        <p:blipFill rotWithShape="1">
+          <a:blip r:embed="rId2">
+            <a:alphaModFix/>
+          </a:blip>
+          <a:srcRect/>
+          <a:stretch/>
+        </p:blipFill>
+        <p:spPr>
+          <a:xfrm>
+            <a:off x="9505029" y="5468273"/>
+            <a:ext cx="2550511" cy="1225663"/>
+          </a:xfrm>
+          <a:prstGeom prst="rect">
+            <a:avLst/>
+          </a:prstGeom>
+          <a:noFill/>
+          <a:ln>
+            <a:noFill/>
+          </a:ln>
+        </p:spPr>
+      </p:pic>
+      <p:sp>
+        <p:nvSpPr>
+          <p:cNvPr id="6" name="כותרת 1">
+            <a:extLst>
+              <a:ext uri="{FF2B5EF4-FFF2-40B4-BE49-F238E27FC236}">
+                <a16:creationId xmlns:a16="http://schemas.microsoft.com/office/drawing/2014/main" id="{E7C0EC09-566C-8E7B-8EB2-672D6EF61BC5}"/>
+              </a:ext>
+            </a:extLst>
+          </p:cNvPr>
+          <p:cNvSpPr>
+            <a:spLocks noGrp="1"/>
+          </p:cNvSpPr>
+          <p:nvPr>
+            <p:ph type="title"/>
+          </p:nvPr>
+        </p:nvSpPr>
+        <p:spPr>
+          <a:xfrm>
+            <a:off x="1017494" y="-101039"/>
+            <a:ext cx="9874623" cy="952687"/>
+          </a:xfrm>
+        </p:spPr>
+        <p:txBody>
+          <a:bodyPr>
+            <a:normAutofit/>
+          </a:bodyPr>
+          <a:lstStyle/>
+          <a:p>
+            <a:pPr algn="ctr"/>
+            <a:r>
+              <a:rPr lang="he-IL" dirty="0">
+                <a:solidFill>
+                  <a:schemeClr val="tx2">
+                    <a:lumMod val="60000"/>
+                    <a:lumOff val="40000"/>
+                  </a:schemeClr>
+                </a:solidFill>
+                <a:cs typeface="+mn-cs"/>
+              </a:rPr>
+              <a:t>צילומי מסך של המשימה</a:t>
+            </a:r>
+            <a:endParaRPr lang="he-IL" dirty="0"/>
+          </a:p>
+        </p:txBody>
+      </p:sp>
+      <p:pic>
+        <p:nvPicPr>
+          <p:cNvPr id="3" name="תמונה 2">
+            <a:extLst>
+              <a:ext uri="{FF2B5EF4-FFF2-40B4-BE49-F238E27FC236}">
+                <a16:creationId xmlns:a16="http://schemas.microsoft.com/office/drawing/2014/main" id="{DABF3509-D103-FC12-4788-041F83B8F33C}"/>
+              </a:ext>
+            </a:extLst>
+          </p:cNvPr>
+          <p:cNvPicPr>
+            <a:picLocks noChangeAspect="1"/>
+          </p:cNvPicPr>
+          <p:nvPr/>
+        </p:nvPicPr>
+        <p:blipFill>
+          <a:blip r:embed="rId3"/>
+          <a:stretch>
+            <a:fillRect/>
+          </a:stretch>
+        </p:blipFill>
+        <p:spPr>
+          <a:xfrm>
+            <a:off x="1909482" y="950259"/>
+            <a:ext cx="8586650" cy="4837146"/>
+          </a:xfrm>
+          <a:prstGeom prst="rect">
+            <a:avLst/>
+          </a:prstGeom>
+        </p:spPr>
+      </p:pic>
+    </p:spTree>
+    <p:extLst>
+      <p:ext uri="{BB962C8B-B14F-4D97-AF65-F5344CB8AC3E}">
+        <p14:creationId xmlns:p14="http://schemas.microsoft.com/office/powerpoint/2010/main" val="2978854314"/>
+      </p:ext>
+    </p:extLst>
+  </p:cSld>
+  <p:clrMapOvr>
+    <a:masterClrMapping/>
+  </p:clrMapOvr>
+</p:sld>
+</file>
+
+<file path=ppt/slides/slide24.xml><?xml version="1.0" encoding="utf-8"?>
+<p:sld xmlns:a="http://schemas.openxmlformats.org/drawingml/2006/main" xmlns:r="http://schemas.openxmlformats.org/officeDocument/2006/relationships" xmlns:p="http://schemas.openxmlformats.org/presentationml/2006/main">
+  <p:cSld>
+    <p:spTree>
+      <p:nvGrpSpPr>
+        <p:cNvPr id="1" name=""/>
+        <p:cNvGrpSpPr/>
+        <p:nvPr/>
+      </p:nvGrpSpPr>
+      <p:grpSpPr>
+        <a:xfrm>
+          <a:off x="0" y="0"/>
+          <a:ext cx="0" cy="0"/>
+          <a:chOff x="0" y="0"/>
+          <a:chExt cx="0" cy="0"/>
+        </a:xfrm>
+      </p:grpSpPr>
+      <p:pic>
+        <p:nvPicPr>
+          <p:cNvPr id="5" name="Google Shape;69;p1" descr="תמונה שמכילה טקסט, גופן, גרפיקה, לוגו&#10;&#10;התיאור נוצר באופן אוטומטי">
+            <a:extLst>
+              <a:ext uri="{FF2B5EF4-FFF2-40B4-BE49-F238E27FC236}">
+                <a16:creationId xmlns:a16="http://schemas.microsoft.com/office/drawing/2014/main" id="{951B4679-100A-4E54-AAAA-DC3FBF79E45B}"/>
+              </a:ext>
+            </a:extLst>
+          </p:cNvPr>
+          <p:cNvPicPr preferRelativeResize="0"/>
+          <p:nvPr/>
+        </p:nvPicPr>
+        <p:blipFill rotWithShape="1">
+          <a:blip r:embed="rId2">
+            <a:alphaModFix/>
+          </a:blip>
+          <a:srcRect/>
+          <a:stretch/>
+        </p:blipFill>
+        <p:spPr>
+          <a:xfrm>
+            <a:off x="9505029" y="5468273"/>
+            <a:ext cx="2550511" cy="1225663"/>
+          </a:xfrm>
+          <a:prstGeom prst="rect">
+            <a:avLst/>
+          </a:prstGeom>
+          <a:noFill/>
+          <a:ln>
+            <a:noFill/>
+          </a:ln>
+        </p:spPr>
+      </p:pic>
+      <p:sp>
+        <p:nvSpPr>
+          <p:cNvPr id="6" name="כותרת 1">
+            <a:extLst>
+              <a:ext uri="{FF2B5EF4-FFF2-40B4-BE49-F238E27FC236}">
+                <a16:creationId xmlns:a16="http://schemas.microsoft.com/office/drawing/2014/main" id="{E7C0EC09-566C-8E7B-8EB2-672D6EF61BC5}"/>
+              </a:ext>
+            </a:extLst>
+          </p:cNvPr>
+          <p:cNvSpPr>
+            <a:spLocks noGrp="1"/>
+          </p:cNvSpPr>
+          <p:nvPr>
+            <p:ph type="title"/>
+          </p:nvPr>
+        </p:nvSpPr>
+        <p:spPr>
+          <a:xfrm>
+            <a:off x="1017494" y="-101039"/>
+            <a:ext cx="9874623" cy="952687"/>
+          </a:xfrm>
+        </p:spPr>
+        <p:txBody>
+          <a:bodyPr>
+            <a:normAutofit/>
+          </a:bodyPr>
+          <a:lstStyle/>
+          <a:p>
+            <a:pPr algn="ctr"/>
+            <a:r>
+              <a:rPr lang="he-IL" dirty="0">
+                <a:solidFill>
+                  <a:schemeClr val="tx2">
+                    <a:lumMod val="60000"/>
+                    <a:lumOff val="40000"/>
+                  </a:schemeClr>
+                </a:solidFill>
+                <a:cs typeface="+mn-cs"/>
+              </a:rPr>
+              <a:t>צילומי מסך של המשימה</a:t>
+            </a:r>
+            <a:endParaRPr lang="he-IL" dirty="0"/>
+          </a:p>
+        </p:txBody>
+      </p:sp>
+      <p:pic>
+        <p:nvPicPr>
+          <p:cNvPr id="3" name="תמונה 2">
+            <a:extLst>
+              <a:ext uri="{FF2B5EF4-FFF2-40B4-BE49-F238E27FC236}">
+                <a16:creationId xmlns:a16="http://schemas.microsoft.com/office/drawing/2014/main" id="{BF689BE5-1A62-BC16-18D1-0DFD7C2465BA}"/>
+              </a:ext>
+            </a:extLst>
+          </p:cNvPr>
+          <p:cNvPicPr>
+            <a:picLocks noChangeAspect="1"/>
+          </p:cNvPicPr>
+          <p:nvPr/>
+        </p:nvPicPr>
+        <p:blipFill>
+          <a:blip r:embed="rId3"/>
+          <a:stretch>
+            <a:fillRect/>
+          </a:stretch>
+        </p:blipFill>
+        <p:spPr>
+          <a:xfrm>
+            <a:off x="1658471" y="851648"/>
+            <a:ext cx="9012709" cy="5077159"/>
+          </a:xfrm>
+          <a:prstGeom prst="rect">
+            <a:avLst/>
+          </a:prstGeom>
+        </p:spPr>
+      </p:pic>
+    </p:spTree>
+    <p:extLst>
+      <p:ext uri="{BB962C8B-B14F-4D97-AF65-F5344CB8AC3E}">
+        <p14:creationId xmlns:p14="http://schemas.microsoft.com/office/powerpoint/2010/main" val="3987632257"/>
+      </p:ext>
+    </p:extLst>
+  </p:cSld>
+  <p:clrMapOvr>
+    <a:masterClrMapping/>
+  </p:clrMapOvr>
+</p:sld>
+</file>
+
+<file path=ppt/slides/slide25.xml><?xml version="1.0" encoding="utf-8"?>
+<p:sld xmlns:a="http://schemas.openxmlformats.org/drawingml/2006/main" xmlns:r="http://schemas.openxmlformats.org/officeDocument/2006/relationships" xmlns:p="http://schemas.openxmlformats.org/presentationml/2006/main">
+  <p:cSld>
+    <p:spTree>
+      <p:nvGrpSpPr>
+        <p:cNvPr id="1" name=""/>
+        <p:cNvGrpSpPr/>
+        <p:nvPr/>
+      </p:nvGrpSpPr>
+      <p:grpSpPr>
+        <a:xfrm>
+          <a:off x="0" y="0"/>
+          <a:ext cx="0" cy="0"/>
+          <a:chOff x="0" y="0"/>
+          <a:chExt cx="0" cy="0"/>
+        </a:xfrm>
+      </p:grpSpPr>
+      <p:pic>
+        <p:nvPicPr>
+          <p:cNvPr id="5" name="Google Shape;69;p1" descr="תמונה שמכילה טקסט, גופן, גרפיקה, לוגו&#10;&#10;התיאור נוצר באופן אוטומטי">
+            <a:extLst>
+              <a:ext uri="{FF2B5EF4-FFF2-40B4-BE49-F238E27FC236}">
+                <a16:creationId xmlns:a16="http://schemas.microsoft.com/office/drawing/2014/main" id="{951B4679-100A-4E54-AAAA-DC3FBF79E45B}"/>
+              </a:ext>
+            </a:extLst>
+          </p:cNvPr>
+          <p:cNvPicPr preferRelativeResize="0"/>
+          <p:nvPr/>
+        </p:nvPicPr>
+        <p:blipFill rotWithShape="1">
+          <a:blip r:embed="rId2">
+            <a:alphaModFix/>
+          </a:blip>
+          <a:srcRect/>
+          <a:stretch/>
+        </p:blipFill>
+        <p:spPr>
+          <a:xfrm>
+            <a:off x="9505029" y="5468273"/>
+            <a:ext cx="2550511" cy="1225663"/>
+          </a:xfrm>
+          <a:prstGeom prst="rect">
+            <a:avLst/>
+          </a:prstGeom>
+          <a:noFill/>
+          <a:ln>
+            <a:noFill/>
+          </a:ln>
+        </p:spPr>
+      </p:pic>
+      <p:sp>
+        <p:nvSpPr>
+          <p:cNvPr id="6" name="כותרת 1">
+            <a:extLst>
+              <a:ext uri="{FF2B5EF4-FFF2-40B4-BE49-F238E27FC236}">
+                <a16:creationId xmlns:a16="http://schemas.microsoft.com/office/drawing/2014/main" id="{E7C0EC09-566C-8E7B-8EB2-672D6EF61BC5}"/>
+              </a:ext>
+            </a:extLst>
+          </p:cNvPr>
+          <p:cNvSpPr>
+            <a:spLocks noGrp="1"/>
+          </p:cNvSpPr>
+          <p:nvPr>
+            <p:ph type="title"/>
+          </p:nvPr>
+        </p:nvSpPr>
+        <p:spPr>
+          <a:xfrm>
+            <a:off x="1017494" y="-101039"/>
+            <a:ext cx="9874623" cy="952687"/>
+          </a:xfrm>
+        </p:spPr>
+        <p:txBody>
+          <a:bodyPr>
+            <a:normAutofit/>
+          </a:bodyPr>
+          <a:lstStyle/>
+          <a:p>
+            <a:pPr algn="ctr"/>
+            <a:r>
+              <a:rPr lang="he-IL" dirty="0">
+                <a:solidFill>
+                  <a:schemeClr val="tx2">
+                    <a:lumMod val="60000"/>
+                    <a:lumOff val="40000"/>
+                  </a:schemeClr>
+                </a:solidFill>
+                <a:cs typeface="+mn-cs"/>
+              </a:rPr>
+              <a:t>צילומי מסך של המשימה</a:t>
+            </a:r>
+            <a:endParaRPr lang="he-IL" dirty="0"/>
+          </a:p>
+        </p:txBody>
+      </p:sp>
+      <p:pic>
+        <p:nvPicPr>
+          <p:cNvPr id="3" name="תמונה 2">
+            <a:extLst>
+              <a:ext uri="{FF2B5EF4-FFF2-40B4-BE49-F238E27FC236}">
+                <a16:creationId xmlns:a16="http://schemas.microsoft.com/office/drawing/2014/main" id="{D0AF6EA5-8E2E-BBD2-9DD7-B9D84DE92ADC}"/>
+              </a:ext>
+            </a:extLst>
+          </p:cNvPr>
+          <p:cNvPicPr>
+            <a:picLocks noChangeAspect="1"/>
+          </p:cNvPicPr>
+          <p:nvPr/>
+        </p:nvPicPr>
+        <p:blipFill>
+          <a:blip r:embed="rId3"/>
+          <a:stretch>
+            <a:fillRect/>
+          </a:stretch>
+        </p:blipFill>
+        <p:spPr>
+          <a:xfrm>
+            <a:off x="1730189" y="708212"/>
+            <a:ext cx="9195612" cy="5180195"/>
+          </a:xfrm>
+          <a:prstGeom prst="rect">
+            <a:avLst/>
+          </a:prstGeom>
+        </p:spPr>
+      </p:pic>
+    </p:spTree>
+    <p:extLst>
+      <p:ext uri="{BB962C8B-B14F-4D97-AF65-F5344CB8AC3E}">
+        <p14:creationId xmlns:p14="http://schemas.microsoft.com/office/powerpoint/2010/main" val="1706456404"/>
+      </p:ext>
+    </p:extLst>
+  </p:cSld>
+  <p:clrMapOvr>
+    <a:masterClrMapping/>
+  </p:clrMapOvr>
+</p:sld>
+</file>
+
+<file path=ppt/slides/slide26.xml><?xml version="1.0" encoding="utf-8"?>
 <p:sld xmlns:a="http://schemas.openxmlformats.org/drawingml/2006/main" xmlns:r="http://schemas.openxmlformats.org/officeDocument/2006/relationships" xmlns:p="http://schemas.openxmlformats.org/presentationml/2006/main">
   <p:cSld>
     <p:spTree>
@@ -7278,7 +9796,7 @@
 </p:sld>
 </file>
 
-<file path=ppt/slides/slide17.xml><?xml version="1.0" encoding="utf-8"?>
+<file path=ppt/slides/slide27.xml><?xml version="1.0" encoding="utf-8"?>
 <p:sld xmlns:a="http://schemas.openxmlformats.org/drawingml/2006/main" xmlns:r="http://schemas.openxmlformats.org/officeDocument/2006/relationships" xmlns:p="http://schemas.openxmlformats.org/presentationml/2006/main">
   <p:cSld>
     <p:spTree>
@@ -7882,7 +10400,7 @@
 </p:sld>
 </file>
 
-<file path=ppt/slides/slide18.xml><?xml version="1.0" encoding="utf-8"?>
+<file path=ppt/slides/slide28.xml><?xml version="1.0" encoding="utf-8"?>
 <p:sld xmlns:a="http://schemas.openxmlformats.org/drawingml/2006/main" xmlns:r="http://schemas.openxmlformats.org/officeDocument/2006/relationships" xmlns:p="http://schemas.openxmlformats.org/presentationml/2006/main">
   <p:cSld>
     <p:spTree>
@@ -8072,7 +10590,7 @@
 </p:sld>
 </file>
 
-<file path=ppt/slides/slide19.xml><?xml version="1.0" encoding="utf-8"?>
+<file path=ppt/slides/slide29.xml><?xml version="1.0" encoding="utf-8"?>
 <p:sld xmlns:a="http://schemas.openxmlformats.org/drawingml/2006/main" xmlns:r="http://schemas.openxmlformats.org/officeDocument/2006/relationships" xmlns:p="http://schemas.openxmlformats.org/presentationml/2006/main">
   <p:cSld>
     <p:spTree>
@@ -8300,7 +10818,7 @@
 </p:sld>
 </file>
 
-<file path=ppt/slides/slide2.xml><?xml version="1.0" encoding="utf-8"?>
+<file path=ppt/slides/slide3.xml><?xml version="1.0" encoding="utf-8"?>
 <p:sld xmlns:a="http://schemas.openxmlformats.org/drawingml/2006/main" xmlns:r="http://schemas.openxmlformats.org/officeDocument/2006/relationships" xmlns:p="http://schemas.openxmlformats.org/presentationml/2006/main">
   <p:cSld>
     <p:spTree>
@@ -8322,7 +10840,7 @@
           <p:cNvPr id="2" name="כותרת 1">
             <a:extLst>
               <a:ext uri="{FF2B5EF4-FFF2-40B4-BE49-F238E27FC236}">
-                <a16:creationId xmlns:a16="http://schemas.microsoft.com/office/drawing/2014/main" id="{65E1D24E-AAD3-9588-86EE-AE0795E11E5F}"/>
+                <a16:creationId xmlns:a16="http://schemas.microsoft.com/office/drawing/2014/main" id="{7232E61D-1C8A-46DF-AAB4-6B061F2CD69F}"/>
               </a:ext>
             </a:extLst>
           </p:cNvPr>
@@ -8338,7 +10856,6 @@
           <a:bodyPr/>
           <a:lstStyle/>
           <a:p>
-            <a:pPr algn="ctr"/>
             <a:r>
               <a:rPr lang="he-IL" dirty="0">
                 <a:solidFill>
@@ -8349,7 +10866,7 @@
                 </a:solidFill>
                 <a:cs typeface="+mn-cs"/>
               </a:rPr>
-              <a:t>הסמינר הישן</a:t>
+              <a:t>תוכן העניינים:</a:t>
             </a:r>
           </a:p>
         </p:txBody>
@@ -8359,7 +10876,7 @@
           <p:cNvPr id="3" name="מציין מיקום תוכן 2">
             <a:extLst>
               <a:ext uri="{FF2B5EF4-FFF2-40B4-BE49-F238E27FC236}">
-                <a16:creationId xmlns:a16="http://schemas.microsoft.com/office/drawing/2014/main" id="{BAD6C555-3907-D957-1935-9834CC03C744}"/>
+                <a16:creationId xmlns:a16="http://schemas.microsoft.com/office/drawing/2014/main" id="{B5785FC3-ABD8-2A3C-4E64-46554AEF0FAE}"/>
               </a:ext>
             </a:extLst>
           </p:cNvPr>
@@ -8373,13 +10890,13 @@
         <p:spPr/>
         <p:txBody>
           <a:bodyPr>
-            <a:normAutofit/>
+            <a:normAutofit fontScale="92500" lnSpcReduction="20000"/>
           </a:bodyPr>
           <a:lstStyle/>
           <a:p>
-            <a:pPr marL="0" marR="0" lvl="0" indent="0" algn="r" rtl="1">
+            <a:pPr marL="228600" lvl="0" indent="-273050" algn="r" rtl="1">
               <a:lnSpc>
-                <a:spcPct val="120000"/>
+                <a:spcPct val="90000"/>
               </a:lnSpc>
               <a:spcBef>
                 <a:spcPts val="0"/>
@@ -8387,391 +10904,248 @@
               <a:spcAft>
                 <a:spcPts val="0"/>
               </a:spcAft>
-              <a:buClr>
-                <a:srgbClr val="FFFFFF"/>
-              </a:buClr>
-              <a:buSzPts val="1600"/>
-              <a:buNone/>
+              <a:buSzPts val="1800"/>
+              <a:buFont typeface="Gill Sans"/>
+              <a:buAutoNum type="arabicPeriod"/>
             </a:pPr>
             <a:r>
-              <a:rPr lang="iw-IL" sz="2400" b="1" i="0" u="none" strike="noStrike" cap="none" dirty="0">
-                <a:latin typeface="Arial"/>
-                <a:ea typeface="Arial"/>
-                <a:cs typeface="Arial"/>
-                <a:sym typeface="Arial"/>
-              </a:rPr>
-              <a:t>שם המוסד החינוכי:</a:t>
-            </a:r>
-            <a:r>
-              <a:rPr lang="he-IL" sz="2400" b="1" dirty="0">
-                <a:latin typeface="Arial"/>
-                <a:ea typeface="Arial"/>
-                <a:cs typeface="Arial"/>
-                <a:sym typeface="Arial"/>
-              </a:rPr>
-              <a:t> </a:t>
-            </a:r>
-            <a:r>
-              <a:rPr lang="he-IL" sz="2400" dirty="0">
-                <a:latin typeface="Arial"/>
-                <a:ea typeface="Arial"/>
-                <a:cs typeface="Arial"/>
-                <a:sym typeface="Arial"/>
-              </a:rPr>
-              <a:t>מכון בית יעקב למורות- סמינר הישן</a:t>
-            </a:r>
-            <a:endParaRPr lang="iw-IL" sz="3200" dirty="0"/>
-          </a:p>
-          <a:p>
-            <a:pPr marL="0" marR="0" lvl="0" indent="0" algn="r" rtl="1">
+              <a:rPr lang="iw-IL" sz="1600" dirty="0"/>
+              <a:t>מבוא</a:t>
+            </a:r>
+            <a:endParaRPr lang="iw-IL" dirty="0"/>
+          </a:p>
+          <a:p>
+            <a:pPr marL="228600" lvl="0" indent="-273050" algn="r" rtl="1">
               <a:lnSpc>
-                <a:spcPct val="120000"/>
+                <a:spcPct val="90000"/>
               </a:lnSpc>
               <a:spcBef>
-                <a:spcPts val="0"/>
+                <a:spcPts val="1000"/>
               </a:spcBef>
               <a:spcAft>
                 <a:spcPts val="0"/>
               </a:spcAft>
-              <a:buClr>
-                <a:srgbClr val="FFFFFF"/>
-              </a:buClr>
-              <a:buSzPts val="1600"/>
-              <a:buNone/>
+              <a:buSzPts val="1800"/>
+              <a:buFont typeface="Gill Sans"/>
+              <a:buAutoNum type="arabicPeriod"/>
             </a:pPr>
             <a:r>
-              <a:rPr lang="iw-IL" sz="2400" b="1" i="0" u="none" strike="noStrike" cap="none" dirty="0">
-                <a:latin typeface="Arial"/>
-                <a:ea typeface="Arial"/>
-                <a:cs typeface="Arial"/>
-                <a:sym typeface="Arial"/>
-              </a:rPr>
-              <a:t>שם הסטודנט</a:t>
-            </a:r>
-            <a:r>
-              <a:rPr lang="iw-IL" sz="2400" b="1" dirty="0">
-                <a:latin typeface="Arial"/>
-                <a:ea typeface="Arial"/>
-                <a:cs typeface="Arial"/>
-                <a:sym typeface="Arial"/>
-              </a:rPr>
-              <a:t>: </a:t>
-            </a:r>
-            <a:r>
-              <a:rPr lang="he-IL" sz="2400" dirty="0">
-                <a:latin typeface="Arial"/>
-                <a:ea typeface="Arial"/>
-                <a:cs typeface="Arial"/>
-                <a:sym typeface="Arial"/>
-              </a:rPr>
-              <a:t>אורה </a:t>
-            </a:r>
-            <a:r>
-              <a:rPr lang="he-IL" sz="2400" dirty="0" err="1">
-                <a:latin typeface="Arial"/>
-                <a:ea typeface="Arial"/>
-                <a:cs typeface="Arial"/>
-                <a:sym typeface="Arial"/>
-              </a:rPr>
-              <a:t>טולדנו</a:t>
-            </a:r>
-            <a:endParaRPr lang="he-IL" sz="2400" dirty="0">
-              <a:latin typeface="Arial"/>
-              <a:ea typeface="Arial"/>
-              <a:cs typeface="Arial"/>
-              <a:sym typeface="Arial"/>
-            </a:endParaRPr>
-          </a:p>
-          <a:p>
-            <a:pPr marL="0" marR="0" lvl="0" indent="0" algn="r" rtl="1">
+              <a:rPr lang="iw-IL" sz="1600" dirty="0"/>
+              <a:t>תיאור חברת </a:t>
+            </a:r>
+            <a:r>
+              <a:rPr lang="en-US" sz="1600" dirty="0" err="1"/>
+              <a:t>Diversitek</a:t>
+            </a:r>
+            <a:endParaRPr lang="en-US" sz="1600" dirty="0"/>
+          </a:p>
+          <a:p>
+            <a:pPr marL="228600" lvl="0" indent="-273050" algn="r" rtl="1">
               <a:lnSpc>
-                <a:spcPct val="120000"/>
+                <a:spcPct val="90000"/>
               </a:lnSpc>
               <a:spcBef>
-                <a:spcPts val="0"/>
+                <a:spcPts val="1000"/>
               </a:spcBef>
               <a:spcAft>
                 <a:spcPts val="0"/>
               </a:spcAft>
-              <a:buClr>
-                <a:srgbClr val="FFFFFF"/>
-              </a:buClr>
-              <a:buSzPts val="1600"/>
-              <a:buNone/>
+              <a:buSzPts val="1800"/>
+              <a:buFont typeface="Gill Sans"/>
+              <a:buAutoNum type="arabicPeriod"/>
             </a:pPr>
             <a:r>
-              <a:rPr lang="iw-IL" sz="2400" b="1" i="0" u="none" strike="noStrike" cap="none" dirty="0">
-                <a:latin typeface="Arial"/>
-                <a:ea typeface="Arial"/>
-                <a:cs typeface="Arial"/>
-                <a:sym typeface="Arial"/>
-              </a:rPr>
-              <a:t>שם החברה המארחת:</a:t>
-            </a:r>
-            <a:r>
-              <a:rPr lang="iw-IL" sz="2400" b="0" i="0" u="none" strike="noStrike" cap="none" dirty="0">
-                <a:latin typeface="Arial"/>
-                <a:ea typeface="Arial"/>
-                <a:cs typeface="Arial"/>
-                <a:sym typeface="Arial"/>
-              </a:rPr>
-              <a:t> </a:t>
-            </a:r>
-            <a:r>
-              <a:rPr lang="en-US" sz="2400" dirty="0" err="1">
-                <a:latin typeface="Arial"/>
-                <a:ea typeface="Arial"/>
-                <a:cs typeface="Arial"/>
-                <a:sym typeface="Arial"/>
-              </a:rPr>
-              <a:t>diversitech</a:t>
-            </a:r>
-            <a:r>
-              <a:rPr lang="en-US" sz="2400" dirty="0">
-                <a:latin typeface="Arial"/>
-                <a:ea typeface="Arial"/>
-                <a:cs typeface="Arial"/>
-                <a:sym typeface="Arial"/>
-              </a:rPr>
-              <a:t> </a:t>
-            </a:r>
-            <a:r>
-              <a:rPr lang="iw-IL" sz="2400" dirty="0">
-                <a:latin typeface="Arial"/>
-                <a:ea typeface="Arial"/>
-                <a:cs typeface="Arial"/>
-                <a:sym typeface="Arial"/>
-              </a:rPr>
-              <a:t>טכנולוגיה</a:t>
-            </a:r>
-            <a:endParaRPr lang="iw-IL" sz="2400" b="0" i="0" u="none" strike="noStrike" cap="none" dirty="0">
-              <a:latin typeface="Arial"/>
-              <a:ea typeface="Arial"/>
-              <a:cs typeface="Arial"/>
-              <a:sym typeface="Arial"/>
-            </a:endParaRPr>
-          </a:p>
-          <a:p>
-            <a:pPr marL="0" marR="0" lvl="0" indent="0" algn="r" rtl="1">
+              <a:rPr lang="iw-IL" sz="1600" dirty="0"/>
+              <a:t>תיאור הלקוח הסופי</a:t>
+            </a:r>
+            <a:r>
+              <a:rPr lang="he-IL" sz="1600" dirty="0"/>
+              <a:t> – הסמינר הישן</a:t>
+            </a:r>
+            <a:endParaRPr lang="iw-IL" dirty="0"/>
+          </a:p>
+          <a:p>
+            <a:pPr marL="228600" lvl="0" indent="-273050" algn="r" rtl="1">
               <a:lnSpc>
-                <a:spcPct val="120000"/>
+                <a:spcPct val="90000"/>
               </a:lnSpc>
               <a:spcBef>
-                <a:spcPts val="0"/>
+                <a:spcPts val="1000"/>
               </a:spcBef>
               <a:spcAft>
                 <a:spcPts val="0"/>
               </a:spcAft>
-              <a:buClr>
-                <a:srgbClr val="FFFFFF"/>
-              </a:buClr>
-              <a:buSzPts val="1600"/>
-              <a:buNone/>
+              <a:buSzPts val="1800"/>
+              <a:buFont typeface="Gill Sans"/>
+              <a:buAutoNum type="arabicPeriod"/>
             </a:pPr>
             <a:r>
-              <a:rPr lang="iw-IL" sz="2400" b="1" i="0" u="none" strike="noStrike" cap="none" dirty="0">
-                <a:latin typeface="Arial"/>
-                <a:ea typeface="Arial"/>
-                <a:cs typeface="Arial"/>
-                <a:sym typeface="Arial"/>
-              </a:rPr>
-              <a:t>שם הלקוח הסופי: </a:t>
-            </a:r>
-            <a:r>
-              <a:rPr lang="iw-IL" sz="2400" dirty="0">
-                <a:latin typeface="Arial"/>
-                <a:ea typeface="Arial"/>
-                <a:cs typeface="Arial"/>
-                <a:sym typeface="Arial"/>
-              </a:rPr>
-              <a:t>הסמינר הישן</a:t>
-            </a:r>
-          </a:p>
-          <a:p>
-            <a:pPr marL="0" marR="0" lvl="0" indent="0" algn="r" rtl="1">
+              <a:rPr lang="iw-IL" sz="1600" dirty="0"/>
+              <a:t>תיאור הפרויקט</a:t>
+            </a:r>
+            <a:endParaRPr lang="iw-IL" dirty="0"/>
+          </a:p>
+          <a:p>
+            <a:pPr marL="228600" lvl="0" indent="-273050" algn="r" rtl="1">
               <a:lnSpc>
-                <a:spcPct val="120000"/>
+                <a:spcPct val="90000"/>
               </a:lnSpc>
               <a:spcBef>
-                <a:spcPts val="0"/>
+                <a:spcPts val="1000"/>
               </a:spcBef>
               <a:spcAft>
                 <a:spcPts val="0"/>
               </a:spcAft>
-              <a:buClr>
-                <a:srgbClr val="FFFFFF"/>
-              </a:buClr>
-              <a:buSzPts val="1600"/>
-              <a:buNone/>
+              <a:buSzPts val="1800"/>
+              <a:buFont typeface="Gill Sans"/>
+              <a:buAutoNum type="arabicPeriod"/>
             </a:pPr>
             <a:r>
-              <a:rPr lang="iw-IL" sz="2400" b="1" dirty="0">
-                <a:latin typeface="Arial"/>
-                <a:ea typeface="Arial"/>
-                <a:cs typeface="Arial"/>
-                <a:sym typeface="Arial"/>
-              </a:rPr>
-              <a:t>שם הפרויקט: </a:t>
-            </a:r>
-            <a:r>
-              <a:rPr lang="iw-IL" sz="2400" dirty="0">
-                <a:latin typeface="Arial"/>
-                <a:ea typeface="Arial"/>
-                <a:cs typeface="Arial"/>
-                <a:sym typeface="Arial"/>
-              </a:rPr>
-              <a:t>הסמינר הישן</a:t>
-            </a:r>
-            <a:br>
-              <a:rPr lang="iw-IL" sz="3200" dirty="0"/>
-            </a:br>
-            <a:r>
-              <a:rPr lang="iw-IL" sz="2400" b="1" dirty="0">
-                <a:latin typeface="Arial"/>
-                <a:ea typeface="Arial"/>
-                <a:cs typeface="Arial"/>
-                <a:sym typeface="Arial"/>
-              </a:rPr>
-              <a:t>תיאור</a:t>
-            </a:r>
-            <a:r>
-              <a:rPr lang="iw-IL" sz="2400" b="1" i="0" u="none" strike="noStrike" cap="none" dirty="0">
-                <a:latin typeface="Arial"/>
-                <a:ea typeface="Arial"/>
-                <a:cs typeface="Arial"/>
-                <a:sym typeface="Arial"/>
-              </a:rPr>
-              <a:t> הפרויקט:</a:t>
-            </a:r>
-            <a:r>
-              <a:rPr lang="iw-IL" sz="2400" b="0" i="0" u="none" strike="noStrike" cap="none" dirty="0">
-                <a:latin typeface="Arial"/>
-                <a:ea typeface="Arial"/>
-                <a:cs typeface="Arial"/>
-                <a:sym typeface="Arial"/>
-              </a:rPr>
-              <a:t> </a:t>
-            </a:r>
-            <a:r>
-              <a:rPr lang="iw-IL" sz="2400" dirty="0">
-                <a:latin typeface="Arial"/>
-                <a:ea typeface="Arial"/>
-                <a:cs typeface="Arial"/>
-                <a:sym typeface="Arial"/>
-              </a:rPr>
-              <a:t>אתר לניהול האגף האדמיניסטרטיבי של המכון</a:t>
-            </a:r>
-            <a:endParaRPr lang="iw-IL" sz="2400" b="0" i="0" u="none" strike="noStrike" cap="none" dirty="0">
-              <a:latin typeface="Arial"/>
-              <a:ea typeface="Arial"/>
-              <a:cs typeface="Arial"/>
-              <a:sym typeface="Arial"/>
-            </a:endParaRPr>
-          </a:p>
-          <a:p>
-            <a:pPr marL="0" marR="0" lvl="0" indent="0" algn="r" rtl="1">
+              <a:rPr lang="iw-IL" sz="1600" dirty="0"/>
+              <a:t>מטרות הפרויקט</a:t>
+            </a:r>
+            <a:endParaRPr lang="iw-IL" dirty="0"/>
+          </a:p>
+          <a:p>
+            <a:pPr marL="228600" lvl="0" indent="-273050" algn="r" rtl="1">
               <a:lnSpc>
-                <a:spcPct val="120000"/>
+                <a:spcPct val="90000"/>
               </a:lnSpc>
               <a:spcBef>
-                <a:spcPts val="0"/>
+                <a:spcPts val="1000"/>
               </a:spcBef>
               <a:spcAft>
                 <a:spcPts val="0"/>
               </a:spcAft>
-              <a:buClr>
-                <a:srgbClr val="FFFFFF"/>
-              </a:buClr>
-              <a:buSzPts val="1600"/>
-              <a:buNone/>
+              <a:buSzPts val="1800"/>
+              <a:buFont typeface="Gill Sans"/>
+              <a:buAutoNum type="arabicPeriod"/>
             </a:pPr>
             <a:r>
-              <a:rPr lang="iw-IL" sz="2400" b="1" i="0" u="none" strike="noStrike" cap="none" dirty="0">
-                <a:latin typeface="Arial"/>
-                <a:ea typeface="Arial"/>
-                <a:cs typeface="Arial"/>
-                <a:sym typeface="Arial"/>
-              </a:rPr>
-              <a:t>שם המנחה האישי:</a:t>
-            </a:r>
-            <a:r>
-              <a:rPr lang="iw-IL" sz="2400" b="0" i="0" u="none" strike="noStrike" cap="none" dirty="0">
-                <a:latin typeface="Arial"/>
-                <a:ea typeface="Arial"/>
-                <a:cs typeface="Arial"/>
-                <a:sym typeface="Arial"/>
-              </a:rPr>
-              <a:t> תהילה אשלג</a:t>
-            </a:r>
-            <a:endParaRPr lang="iw-IL" sz="3200" dirty="0"/>
-          </a:p>
-          <a:p>
-            <a:pPr marL="0" marR="0" lvl="0" indent="0" algn="r" rtl="1">
-              <a:lnSpc>
-                <a:spcPct val="120000"/>
-              </a:lnSpc>
+              <a:rPr lang="iw-IL" sz="1600" dirty="0"/>
+              <a:t>תהליך העבודה</a:t>
+            </a:r>
+            <a:r>
+              <a:rPr lang="he-IL" sz="1600" dirty="0"/>
+              <a:t>:</a:t>
+            </a:r>
+          </a:p>
+          <a:p>
+            <a:pPr lvl="1" indent="-273050">
               <a:spcBef>
-                <a:spcPts val="0"/>
+                <a:spcPts val="1000"/>
               </a:spcBef>
-              <a:spcAft>
-                <a:spcPts val="0"/>
-              </a:spcAft>
-              <a:buClr>
-                <a:srgbClr val="FFFFFF"/>
-              </a:buClr>
-              <a:buSzPts val="1600"/>
-              <a:buNone/>
+              <a:buSzPts val="1800"/>
+              <a:buFont typeface="Gill Sans"/>
+              <a:buAutoNum type="arabicPeriod"/>
             </a:pPr>
             <a:r>
-              <a:rPr lang="iw-IL" sz="2400" b="1" i="0" u="none" strike="noStrike" cap="none" dirty="0">
-                <a:latin typeface="Arial"/>
-                <a:ea typeface="Arial"/>
-                <a:cs typeface="Arial"/>
-                <a:sym typeface="Arial"/>
-              </a:rPr>
-              <a:t>שם המנחה האקדמי: </a:t>
-            </a:r>
-            <a:r>
-              <a:rPr lang="iw-IL" sz="2400" i="0" u="none" strike="noStrike" cap="none" dirty="0">
-                <a:latin typeface="Arial"/>
-                <a:ea typeface="Arial"/>
-                <a:cs typeface="Arial"/>
-                <a:sym typeface="Arial"/>
-              </a:rPr>
-              <a:t>תהילה אשלג</a:t>
-            </a:r>
-            <a:br>
-              <a:rPr lang="iw-IL" sz="3200" dirty="0"/>
-            </a:br>
-            <a:r>
-              <a:rPr lang="iw-IL" sz="2400" b="1" i="0" u="none" strike="noStrike" cap="none" dirty="0">
-                <a:latin typeface="Arial"/>
-                <a:ea typeface="Arial"/>
-                <a:cs typeface="Arial"/>
-                <a:sym typeface="Arial"/>
-              </a:rPr>
-              <a:t>תאריך הגשה:</a:t>
-            </a:r>
-            <a:r>
-              <a:rPr lang="iw-IL" sz="2400" b="0" i="0" u="none" strike="noStrike" cap="none" dirty="0">
-                <a:latin typeface="Arial"/>
-                <a:ea typeface="Arial"/>
-                <a:cs typeface="Arial"/>
-                <a:sym typeface="Arial"/>
-              </a:rPr>
-              <a:t> </a:t>
-            </a:r>
-            <a:endParaRPr lang="iw-IL" sz="3200" dirty="0"/>
-          </a:p>
-          <a:p>
-            <a:endParaRPr lang="he-IL" sz="2400" dirty="0"/>
+              <a:rPr lang="he-IL" sz="1800" dirty="0"/>
+              <a:t>שלב א: הכרת החברה והפרויקט.</a:t>
+            </a:r>
+          </a:p>
+          <a:p>
+            <a:pPr lvl="1" indent="-273050">
+              <a:spcBef>
+                <a:spcPts val="1000"/>
+              </a:spcBef>
+              <a:buSzPts val="1800"/>
+              <a:buFont typeface="Gill Sans"/>
+              <a:buAutoNum type="arabicPeriod"/>
+            </a:pPr>
+            <a:r>
+              <a:rPr lang="he-IL" sz="1800" dirty="0"/>
+              <a:t> שלב ב: אפיון ודרישות.</a:t>
+            </a:r>
+          </a:p>
+          <a:p>
+            <a:pPr lvl="1" indent="-273050">
+              <a:spcBef>
+                <a:spcPts val="1000"/>
+              </a:spcBef>
+              <a:buSzPts val="1800"/>
+              <a:buFont typeface="Gill Sans"/>
+              <a:buAutoNum type="arabicPeriod"/>
+            </a:pPr>
+            <a:r>
+              <a:rPr lang="he-IL" sz="1800" dirty="0"/>
+              <a:t> שלב ג: תכנון.</a:t>
+            </a:r>
+          </a:p>
+          <a:p>
+            <a:pPr lvl="1" indent="-273050">
+              <a:spcBef>
+                <a:spcPts val="1000"/>
+              </a:spcBef>
+              <a:buSzPts val="1800"/>
+              <a:buFont typeface="Gill Sans"/>
+              <a:buAutoNum type="arabicPeriod"/>
+            </a:pPr>
+            <a:r>
+              <a:rPr lang="he-IL" sz="1800" dirty="0"/>
+              <a:t> שלב ד: ביצוע ופיתוח.</a:t>
+            </a:r>
+          </a:p>
+          <a:p>
+            <a:pPr lvl="1" indent="-273050">
+              <a:spcBef>
+                <a:spcPts val="1000"/>
+              </a:spcBef>
+              <a:buSzPts val="1800"/>
+              <a:buFont typeface="Gill Sans"/>
+              <a:buAutoNum type="arabicPeriod"/>
+            </a:pPr>
+            <a:r>
+              <a:rPr lang="he-IL" sz="1800" dirty="0"/>
+              <a:t> שלב ה: בדיקות ואבטחת איכות.</a:t>
+            </a:r>
+          </a:p>
+          <a:p>
+            <a:pPr lvl="1" indent="-273050">
+              <a:spcBef>
+                <a:spcPts val="1000"/>
+              </a:spcBef>
+              <a:buSzPts val="1800"/>
+              <a:buFont typeface="Gill Sans"/>
+              <a:buAutoNum type="arabicPeriod"/>
+            </a:pPr>
+            <a:r>
+              <a:rPr lang="he-IL" sz="1800" dirty="0"/>
+              <a:t> שלב ו: הטמעה ותמיכה.</a:t>
+            </a:r>
+          </a:p>
+          <a:p>
+            <a:pPr indent="-273050">
+              <a:buSzPts val="1800"/>
+              <a:buFont typeface="Gill Sans"/>
+              <a:buAutoNum type="arabicPeriod"/>
+            </a:pPr>
+            <a:r>
+              <a:rPr lang="he-IL" sz="2200" dirty="0"/>
+              <a:t>סיכום ומסקנות.</a:t>
+            </a:r>
+          </a:p>
+          <a:p>
+            <a:pPr indent="-273050">
+              <a:buSzPts val="1800"/>
+              <a:buFont typeface="Gill Sans"/>
+              <a:buAutoNum type="arabicPeriod"/>
+            </a:pPr>
+            <a:r>
+              <a:rPr lang="he-IL" sz="2200" dirty="0"/>
+              <a:t>נספחים.</a:t>
+            </a:r>
+            <a:endParaRPr lang="iw-IL" sz="2200" dirty="0"/>
+          </a:p>
+          <a:p>
+            <a:endParaRPr lang="he-IL" sz="1600" dirty="0"/>
           </a:p>
         </p:txBody>
       </p:sp>
     </p:spTree>
     <p:extLst>
       <p:ext uri="{BB962C8B-B14F-4D97-AF65-F5344CB8AC3E}">
-        <p14:creationId xmlns:p14="http://schemas.microsoft.com/office/powerpoint/2010/main" val="1066157982"/>
+        <p14:creationId xmlns:p14="http://schemas.microsoft.com/office/powerpoint/2010/main" val="2501110806"/>
       </p:ext>
     </p:extLst>
   </p:cSld>
@@ -8781,7 +11155,7 @@
 </p:sld>
 </file>
 
-<file path=ppt/slides/slide20.xml><?xml version="1.0" encoding="utf-8"?>
+<file path=ppt/slides/slide30.xml><?xml version="1.0" encoding="utf-8"?>
 <p:sld xmlns:a="http://schemas.openxmlformats.org/drawingml/2006/main" xmlns:r="http://schemas.openxmlformats.org/officeDocument/2006/relationships" xmlns:p="http://schemas.openxmlformats.org/presentationml/2006/main">
   <p:cSld>
     <p:spTree>
@@ -9460,7 +11834,7 @@
 </p:sld>
 </file>
 
-<file path=ppt/slides/slide21.xml><?xml version="1.0" encoding="utf-8"?>
+<file path=ppt/slides/slide31.xml><?xml version="1.0" encoding="utf-8"?>
 <p:sld xmlns:a="http://schemas.openxmlformats.org/drawingml/2006/main" xmlns:r="http://schemas.openxmlformats.org/officeDocument/2006/relationships" xmlns:p="http://schemas.openxmlformats.org/presentationml/2006/main">
   <p:cSld>
     <p:spTree>
@@ -9681,115 +12055,7 @@
 </p:sld>
 </file>
 
-<file path=ppt/slides/slide22.xml><?xml version="1.0" encoding="utf-8"?>
-<p:sld xmlns:a="http://schemas.openxmlformats.org/drawingml/2006/main" xmlns:r="http://schemas.openxmlformats.org/officeDocument/2006/relationships" xmlns:p="http://schemas.openxmlformats.org/presentationml/2006/main">
-  <p:cSld>
-    <p:spTree>
-      <p:nvGrpSpPr>
-        <p:cNvPr id="1" name=""/>
-        <p:cNvGrpSpPr/>
-        <p:nvPr/>
-      </p:nvGrpSpPr>
-      <p:grpSpPr>
-        <a:xfrm>
-          <a:off x="0" y="0"/>
-          <a:ext cx="0" cy="0"/>
-          <a:chOff x="0" y="0"/>
-          <a:chExt cx="0" cy="0"/>
-        </a:xfrm>
-      </p:grpSpPr>
-      <p:pic>
-        <p:nvPicPr>
-          <p:cNvPr id="5" name="Google Shape;69;p1" descr="תמונה שמכילה טקסט, גופן, גרפיקה, לוגו&#10;&#10;התיאור נוצר באופן אוטומטי">
-            <a:extLst>
-              <a:ext uri="{FF2B5EF4-FFF2-40B4-BE49-F238E27FC236}">
-                <a16:creationId xmlns:a16="http://schemas.microsoft.com/office/drawing/2014/main" id="{951B4679-100A-4E54-AAAA-DC3FBF79E45B}"/>
-              </a:ext>
-            </a:extLst>
-          </p:cNvPr>
-          <p:cNvPicPr preferRelativeResize="0"/>
-          <p:nvPr/>
-        </p:nvPicPr>
-        <p:blipFill rotWithShape="1">
-          <a:blip r:embed="rId2">
-            <a:alphaModFix/>
-          </a:blip>
-          <a:srcRect/>
-          <a:stretch/>
-        </p:blipFill>
-        <p:spPr>
-          <a:xfrm>
-            <a:off x="9505029" y="5468273"/>
-            <a:ext cx="2550511" cy="1225663"/>
-          </a:xfrm>
-          <a:prstGeom prst="rect">
-            <a:avLst/>
-          </a:prstGeom>
-          <a:noFill/>
-          <a:ln>
-            <a:noFill/>
-          </a:ln>
-        </p:spPr>
-      </p:pic>
-      <p:sp>
-        <p:nvSpPr>
-          <p:cNvPr id="6" name="כותרת 1">
-            <a:extLst>
-              <a:ext uri="{FF2B5EF4-FFF2-40B4-BE49-F238E27FC236}">
-                <a16:creationId xmlns:a16="http://schemas.microsoft.com/office/drawing/2014/main" id="{E7C0EC09-566C-8E7B-8EB2-672D6EF61BC5}"/>
-              </a:ext>
-            </a:extLst>
-          </p:cNvPr>
-          <p:cNvSpPr>
-            <a:spLocks noGrp="1"/>
-          </p:cNvSpPr>
-          <p:nvPr>
-            <p:ph type="title"/>
-          </p:nvPr>
-        </p:nvSpPr>
-        <p:spPr>
-          <a:xfrm>
-            <a:off x="1017494" y="-101039"/>
-            <a:ext cx="9874623" cy="952687"/>
-          </a:xfrm>
-        </p:spPr>
-        <p:txBody>
-          <a:bodyPr>
-            <a:normAutofit/>
-          </a:bodyPr>
-          <a:lstStyle/>
-          <a:p>
-            <a:pPr algn="ctr"/>
-            <a:r>
-              <a:rPr lang="he-IL" dirty="0">
-                <a:solidFill>
-                  <a:schemeClr val="tx2">
-                    <a:lumMod val="60000"/>
-                    <a:lumOff val="40000"/>
-                  </a:schemeClr>
-                </a:solidFill>
-                <a:cs typeface="+mn-cs"/>
-              </a:rPr>
-              <a:t>צילומי מסך של המשימה</a:t>
-            </a:r>
-            <a:endParaRPr lang="he-IL" dirty="0"/>
-          </a:p>
-        </p:txBody>
-      </p:sp>
-    </p:spTree>
-    <p:extLst>
-      <p:ext uri="{BB962C8B-B14F-4D97-AF65-F5344CB8AC3E}">
-        <p14:creationId xmlns:p14="http://schemas.microsoft.com/office/powerpoint/2010/main" val="4072983155"/>
-      </p:ext>
-    </p:extLst>
-  </p:cSld>
-  <p:clrMapOvr>
-    <a:masterClrMapping/>
-  </p:clrMapOvr>
-</p:sld>
-</file>
-
-<file path=ppt/slides/slide23.xml><?xml version="1.0" encoding="utf-8"?>
+<file path=ppt/slides/slide32.xml><?xml version="1.0" encoding="utf-8"?>
 <p:sld xmlns:a="http://schemas.openxmlformats.org/drawingml/2006/main" xmlns:r="http://schemas.openxmlformats.org/officeDocument/2006/relationships" xmlns:p="http://schemas.openxmlformats.org/presentationml/2006/main">
   <p:cSld>
     <p:spTree>
@@ -9941,7 +12207,7 @@
 </p:sld>
 </file>
 
-<file path=ppt/slides/slide24.xml><?xml version="1.0" encoding="utf-8"?>
+<file path=ppt/slides/slide33.xml><?xml version="1.0" encoding="utf-8"?>
 <p:sld xmlns:a="http://schemas.openxmlformats.org/drawingml/2006/main" xmlns:r="http://schemas.openxmlformats.org/officeDocument/2006/relationships" xmlns:p="http://schemas.openxmlformats.org/presentationml/2006/main">
   <p:cSld>
     <p:spTree>
@@ -10057,7 +12323,7 @@
 </p:sld>
 </file>
 
-<file path=ppt/slides/slide25.xml><?xml version="1.0" encoding="utf-8"?>
+<file path=ppt/slides/slide34.xml><?xml version="1.0" encoding="utf-8"?>
 <p:sld xmlns:a="http://schemas.openxmlformats.org/drawingml/2006/main" xmlns:r="http://schemas.openxmlformats.org/officeDocument/2006/relationships" xmlns:p="http://schemas.openxmlformats.org/presentationml/2006/main">
   <p:cSld>
     <p:spTree>
@@ -10452,7 +12718,7 @@
 </p:sld>
 </file>
 
-<file path=ppt/slides/slide26.xml><?xml version="1.0" encoding="utf-8"?>
+<file path=ppt/slides/slide35.xml><?xml version="1.0" encoding="utf-8"?>
 <p:sld xmlns:a="http://schemas.openxmlformats.org/drawingml/2006/main" xmlns:r="http://schemas.openxmlformats.org/officeDocument/2006/relationships" xmlns:p="http://schemas.openxmlformats.org/presentationml/2006/main">
   <p:cSld>
     <p:spTree>
@@ -10708,343 +12974,6 @@
     <p:extLst>
       <p:ext uri="{BB962C8B-B14F-4D97-AF65-F5344CB8AC3E}">
         <p14:creationId xmlns:p14="http://schemas.microsoft.com/office/powerpoint/2010/main" val="1655816576"/>
-      </p:ext>
-    </p:extLst>
-  </p:cSld>
-  <p:clrMapOvr>
-    <a:masterClrMapping/>
-  </p:clrMapOvr>
-</p:sld>
-</file>
-
-<file path=ppt/slides/slide3.xml><?xml version="1.0" encoding="utf-8"?>
-<p:sld xmlns:a="http://schemas.openxmlformats.org/drawingml/2006/main" xmlns:r="http://schemas.openxmlformats.org/officeDocument/2006/relationships" xmlns:p="http://schemas.openxmlformats.org/presentationml/2006/main">
-  <p:cSld>
-    <p:spTree>
-      <p:nvGrpSpPr>
-        <p:cNvPr id="1" name=""/>
-        <p:cNvGrpSpPr/>
-        <p:nvPr/>
-      </p:nvGrpSpPr>
-      <p:grpSpPr>
-        <a:xfrm>
-          <a:off x="0" y="0"/>
-          <a:ext cx="0" cy="0"/>
-          <a:chOff x="0" y="0"/>
-          <a:chExt cx="0" cy="0"/>
-        </a:xfrm>
-      </p:grpSpPr>
-      <p:sp>
-        <p:nvSpPr>
-          <p:cNvPr id="2" name="כותרת 1">
-            <a:extLst>
-              <a:ext uri="{FF2B5EF4-FFF2-40B4-BE49-F238E27FC236}">
-                <a16:creationId xmlns:a16="http://schemas.microsoft.com/office/drawing/2014/main" id="{7232E61D-1C8A-46DF-AAB4-6B061F2CD69F}"/>
-              </a:ext>
-            </a:extLst>
-          </p:cNvPr>
-          <p:cNvSpPr>
-            <a:spLocks noGrp="1"/>
-          </p:cNvSpPr>
-          <p:nvPr>
-            <p:ph type="title"/>
-          </p:nvPr>
-        </p:nvSpPr>
-        <p:spPr/>
-        <p:txBody>
-          <a:bodyPr/>
-          <a:lstStyle/>
-          <a:p>
-            <a:r>
-              <a:rPr lang="he-IL" dirty="0">
-                <a:solidFill>
-                  <a:schemeClr val="tx2">
-                    <a:lumMod val="60000"/>
-                    <a:lumOff val="40000"/>
-                  </a:schemeClr>
-                </a:solidFill>
-                <a:cs typeface="+mn-cs"/>
-              </a:rPr>
-              <a:t>תוכן העניינים:</a:t>
-            </a:r>
-          </a:p>
-        </p:txBody>
-      </p:sp>
-      <p:sp>
-        <p:nvSpPr>
-          <p:cNvPr id="3" name="מציין מיקום תוכן 2">
-            <a:extLst>
-              <a:ext uri="{FF2B5EF4-FFF2-40B4-BE49-F238E27FC236}">
-                <a16:creationId xmlns:a16="http://schemas.microsoft.com/office/drawing/2014/main" id="{B5785FC3-ABD8-2A3C-4E64-46554AEF0FAE}"/>
-              </a:ext>
-            </a:extLst>
-          </p:cNvPr>
-          <p:cNvSpPr>
-            <a:spLocks noGrp="1"/>
-          </p:cNvSpPr>
-          <p:nvPr>
-            <p:ph idx="1"/>
-          </p:nvPr>
-        </p:nvSpPr>
-        <p:spPr/>
-        <p:txBody>
-          <a:bodyPr>
-            <a:normAutofit fontScale="92500" lnSpcReduction="20000"/>
-          </a:bodyPr>
-          <a:lstStyle/>
-          <a:p>
-            <a:pPr marL="228600" lvl="0" indent="-273050" algn="r" rtl="1">
-              <a:lnSpc>
-                <a:spcPct val="90000"/>
-              </a:lnSpc>
-              <a:spcBef>
-                <a:spcPts val="0"/>
-              </a:spcBef>
-              <a:spcAft>
-                <a:spcPts val="0"/>
-              </a:spcAft>
-              <a:buSzPts val="1800"/>
-              <a:buFont typeface="Gill Sans"/>
-              <a:buAutoNum type="arabicPeriod"/>
-            </a:pPr>
-            <a:r>
-              <a:rPr lang="iw-IL" sz="1600" dirty="0"/>
-              <a:t>מבוא</a:t>
-            </a:r>
-            <a:endParaRPr lang="iw-IL" dirty="0"/>
-          </a:p>
-          <a:p>
-            <a:pPr marL="228600" lvl="0" indent="-273050" algn="r" rtl="1">
-              <a:lnSpc>
-                <a:spcPct val="90000"/>
-              </a:lnSpc>
-              <a:spcBef>
-                <a:spcPts val="1000"/>
-              </a:spcBef>
-              <a:spcAft>
-                <a:spcPts val="0"/>
-              </a:spcAft>
-              <a:buSzPts val="1800"/>
-              <a:buFont typeface="Gill Sans"/>
-              <a:buAutoNum type="arabicPeriod"/>
-            </a:pPr>
-            <a:r>
-              <a:rPr lang="iw-IL" sz="1600" dirty="0"/>
-              <a:t>תיאור חברת </a:t>
-            </a:r>
-            <a:r>
-              <a:rPr lang="en-US" sz="1600" dirty="0" err="1"/>
-              <a:t>Diversitek</a:t>
-            </a:r>
-            <a:endParaRPr lang="en-US" sz="1600" dirty="0"/>
-          </a:p>
-          <a:p>
-            <a:pPr marL="228600" lvl="0" indent="-273050" algn="r" rtl="1">
-              <a:lnSpc>
-                <a:spcPct val="90000"/>
-              </a:lnSpc>
-              <a:spcBef>
-                <a:spcPts val="1000"/>
-              </a:spcBef>
-              <a:spcAft>
-                <a:spcPts val="0"/>
-              </a:spcAft>
-              <a:buSzPts val="1800"/>
-              <a:buFont typeface="Gill Sans"/>
-              <a:buAutoNum type="arabicPeriod"/>
-            </a:pPr>
-            <a:r>
-              <a:rPr lang="iw-IL" sz="1600" dirty="0"/>
-              <a:t>תיאור הלקוח הסופי</a:t>
-            </a:r>
-            <a:r>
-              <a:rPr lang="he-IL" sz="1600" dirty="0"/>
-              <a:t> – הסמינר הישן</a:t>
-            </a:r>
-            <a:endParaRPr lang="iw-IL" dirty="0"/>
-          </a:p>
-          <a:p>
-            <a:pPr marL="228600" lvl="0" indent="-273050" algn="r" rtl="1">
-              <a:lnSpc>
-                <a:spcPct val="90000"/>
-              </a:lnSpc>
-              <a:spcBef>
-                <a:spcPts val="1000"/>
-              </a:spcBef>
-              <a:spcAft>
-                <a:spcPts val="0"/>
-              </a:spcAft>
-              <a:buSzPts val="1800"/>
-              <a:buFont typeface="Gill Sans"/>
-              <a:buAutoNum type="arabicPeriod"/>
-            </a:pPr>
-            <a:r>
-              <a:rPr lang="iw-IL" sz="1600" dirty="0"/>
-              <a:t>תיאור הפרויקט</a:t>
-            </a:r>
-            <a:endParaRPr lang="iw-IL" dirty="0"/>
-          </a:p>
-          <a:p>
-            <a:pPr marL="228600" lvl="0" indent="-273050" algn="r" rtl="1">
-              <a:lnSpc>
-                <a:spcPct val="90000"/>
-              </a:lnSpc>
-              <a:spcBef>
-                <a:spcPts val="1000"/>
-              </a:spcBef>
-              <a:spcAft>
-                <a:spcPts val="0"/>
-              </a:spcAft>
-              <a:buSzPts val="1800"/>
-              <a:buFont typeface="Gill Sans"/>
-              <a:buAutoNum type="arabicPeriod"/>
-            </a:pPr>
-            <a:r>
-              <a:rPr lang="iw-IL" sz="1600" dirty="0"/>
-              <a:t>מטרות הפרויקט</a:t>
-            </a:r>
-            <a:endParaRPr lang="iw-IL" dirty="0"/>
-          </a:p>
-          <a:p>
-            <a:pPr marL="228600" lvl="0" indent="-273050" algn="r" rtl="1">
-              <a:lnSpc>
-                <a:spcPct val="90000"/>
-              </a:lnSpc>
-              <a:spcBef>
-                <a:spcPts val="1000"/>
-              </a:spcBef>
-              <a:spcAft>
-                <a:spcPts val="0"/>
-              </a:spcAft>
-              <a:buSzPts val="1800"/>
-              <a:buFont typeface="Gill Sans"/>
-              <a:buAutoNum type="arabicPeriod"/>
-            </a:pPr>
-            <a:r>
-              <a:rPr lang="iw-IL" sz="1600" dirty="0"/>
-              <a:t>תהליך העבודה</a:t>
-            </a:r>
-            <a:r>
-              <a:rPr lang="he-IL" sz="1600" dirty="0"/>
-              <a:t>:</a:t>
-            </a:r>
-          </a:p>
-          <a:p>
-            <a:pPr lvl="1" indent="-273050">
-              <a:spcBef>
-                <a:spcPts val="1000"/>
-              </a:spcBef>
-              <a:buSzPts val="1800"/>
-              <a:buFont typeface="Gill Sans"/>
-              <a:buAutoNum type="arabicPeriod"/>
-            </a:pPr>
-            <a:r>
-              <a:rPr lang="he-IL" sz="1800" dirty="0"/>
-              <a:t>שלב א: הכרת החברה והפרויקט.</a:t>
-            </a:r>
-          </a:p>
-          <a:p>
-            <a:pPr lvl="1" indent="-273050">
-              <a:spcBef>
-                <a:spcPts val="1000"/>
-              </a:spcBef>
-              <a:buSzPts val="1800"/>
-              <a:buFont typeface="Gill Sans"/>
-              <a:buAutoNum type="arabicPeriod"/>
-            </a:pPr>
-            <a:r>
-              <a:rPr lang="he-IL" sz="1800" dirty="0"/>
-              <a:t> שלב ב: אפיון ודרישות.</a:t>
-            </a:r>
-          </a:p>
-          <a:p>
-            <a:pPr lvl="1" indent="-273050">
-              <a:spcBef>
-                <a:spcPts val="1000"/>
-              </a:spcBef>
-              <a:buSzPts val="1800"/>
-              <a:buFont typeface="Gill Sans"/>
-              <a:buAutoNum type="arabicPeriod"/>
-            </a:pPr>
-            <a:r>
-              <a:rPr lang="he-IL" sz="1800" dirty="0"/>
-              <a:t> שלב ג: תכנון.</a:t>
-            </a:r>
-          </a:p>
-          <a:p>
-            <a:pPr lvl="1" indent="-273050">
-              <a:spcBef>
-                <a:spcPts val="1000"/>
-              </a:spcBef>
-              <a:buSzPts val="1800"/>
-              <a:buFont typeface="Gill Sans"/>
-              <a:buAutoNum type="arabicPeriod"/>
-            </a:pPr>
-            <a:r>
-              <a:rPr lang="he-IL" sz="1800" dirty="0"/>
-              <a:t> שלב ד: ביצוע ופיתוח.</a:t>
-            </a:r>
-          </a:p>
-          <a:p>
-            <a:pPr lvl="1" indent="-273050">
-              <a:spcBef>
-                <a:spcPts val="1000"/>
-              </a:spcBef>
-              <a:buSzPts val="1800"/>
-              <a:buFont typeface="Gill Sans"/>
-              <a:buAutoNum type="arabicPeriod"/>
-            </a:pPr>
-            <a:r>
-              <a:rPr lang="he-IL" sz="1800" dirty="0"/>
-              <a:t> שלב ה: בדיקות ואבטחת איכות.</a:t>
-            </a:r>
-          </a:p>
-          <a:p>
-            <a:pPr lvl="1" indent="-273050">
-              <a:spcBef>
-                <a:spcPts val="1000"/>
-              </a:spcBef>
-              <a:buSzPts val="1800"/>
-              <a:buFont typeface="Gill Sans"/>
-              <a:buAutoNum type="arabicPeriod"/>
-            </a:pPr>
-            <a:r>
-              <a:rPr lang="he-IL" sz="1800" dirty="0"/>
-              <a:t> שלב ו: הטמעה ותמיכה.</a:t>
-            </a:r>
-          </a:p>
-          <a:p>
-            <a:pPr indent="-273050">
-              <a:buSzPts val="1800"/>
-              <a:buFont typeface="Gill Sans"/>
-              <a:buAutoNum type="arabicPeriod"/>
-            </a:pPr>
-            <a:r>
-              <a:rPr lang="he-IL" sz="2200" dirty="0"/>
-              <a:t>סיכום ומסקנות.</a:t>
-            </a:r>
-          </a:p>
-          <a:p>
-            <a:pPr indent="-273050">
-              <a:buSzPts val="1800"/>
-              <a:buFont typeface="Gill Sans"/>
-              <a:buAutoNum type="arabicPeriod"/>
-            </a:pPr>
-            <a:r>
-              <a:rPr lang="he-IL" sz="2200" dirty="0"/>
-              <a:t>נספחים.</a:t>
-            </a:r>
-            <a:endParaRPr lang="iw-IL" sz="2200" dirty="0"/>
-          </a:p>
-          <a:p>
-            <a:endParaRPr lang="he-IL" sz="1600" dirty="0"/>
-          </a:p>
-        </p:txBody>
-      </p:sp>
-    </p:spTree>
-    <p:extLst>
-      <p:ext uri="{BB962C8B-B14F-4D97-AF65-F5344CB8AC3E}">
-        <p14:creationId xmlns:p14="http://schemas.microsoft.com/office/powerpoint/2010/main" val="2501110806"/>
       </p:ext>
     </p:extLst>
   </p:cSld>
